--- a/Updates/2024_02_15_SP500_MisaelMorales.pptx
+++ b/Updates/2024_02_15_SP500_MisaelMorales.pptx
@@ -2214,7 +2214,7 @@
           <a:p>
             <a:fld id="{E3116162-49D8-43D0-8E45-EA22045512C0}" type="datetimeFigureOut">
               <a:rPr lang="en-US" smtClean="0"/>
-              <a:t>2/13/2024</a:t>
+              <a:t>2/15/2024</a:t>
             </a:fld>
             <a:endParaRPr lang="en-US"/>
           </a:p>
@@ -2799,7 +2799,7 @@
           <a:p>
             <a:fld id="{D71D3BE9-04E4-4706-83E7-877FB49D5130}" type="datetime1">
               <a:rPr lang="en-US" smtClean="0"/>
-              <a:t>2/13/2024</a:t>
+              <a:t>2/15/2024</a:t>
             </a:fld>
             <a:endParaRPr lang="en-US"/>
           </a:p>
@@ -2997,7 +2997,7 @@
           <a:p>
             <a:fld id="{784E2626-A12A-4F58-AD7A-A459D0435A78}" type="datetime1">
               <a:rPr lang="en-US" smtClean="0"/>
-              <a:t>2/13/2024</a:t>
+              <a:t>2/15/2024</a:t>
             </a:fld>
             <a:endParaRPr lang="en-US"/>
           </a:p>
@@ -3205,7 +3205,7 @@
           <a:p>
             <a:fld id="{A30750CD-A14E-48DC-BAB2-8E357B3BB818}" type="datetime1">
               <a:rPr lang="en-US" smtClean="0"/>
-              <a:t>2/13/2024</a:t>
+              <a:t>2/15/2024</a:t>
             </a:fld>
             <a:endParaRPr lang="en-US"/>
           </a:p>
@@ -3403,7 +3403,7 @@
           <a:p>
             <a:fld id="{AFCBE70D-5CAA-4EA9-B5DA-9F07C386E4E6}" type="datetime1">
               <a:rPr lang="en-US" smtClean="0"/>
-              <a:t>2/13/2024</a:t>
+              <a:t>2/15/2024</a:t>
             </a:fld>
             <a:endParaRPr lang="en-US"/>
           </a:p>
@@ -3678,7 +3678,7 @@
           <a:p>
             <a:fld id="{1E68F9BB-E13F-4ED4-8134-6C034A5B6371}" type="datetime1">
               <a:rPr lang="en-US" smtClean="0"/>
-              <a:t>2/13/2024</a:t>
+              <a:t>2/15/2024</a:t>
             </a:fld>
             <a:endParaRPr lang="en-US"/>
           </a:p>
@@ -3943,7 +3943,7 @@
           <a:p>
             <a:fld id="{8C45109A-77C2-4BE1-AAE8-F24A2E5E97E2}" type="datetime1">
               <a:rPr lang="en-US" smtClean="0"/>
-              <a:t>2/13/2024</a:t>
+              <a:t>2/15/2024</a:t>
             </a:fld>
             <a:endParaRPr lang="en-US"/>
           </a:p>
@@ -4355,7 +4355,7 @@
           <a:p>
             <a:fld id="{4322BF07-3D0B-481F-A43A-1B500B45FBAC}" type="datetime1">
               <a:rPr lang="en-US" smtClean="0"/>
-              <a:t>2/13/2024</a:t>
+              <a:t>2/15/2024</a:t>
             </a:fld>
             <a:endParaRPr lang="en-US"/>
           </a:p>
@@ -4496,7 +4496,7 @@
           <a:p>
             <a:fld id="{0E4FF7B2-6570-4102-9304-65F5D5BD4DA7}" type="datetime1">
               <a:rPr lang="en-US" smtClean="0"/>
-              <a:t>2/13/2024</a:t>
+              <a:t>2/15/2024</a:t>
             </a:fld>
             <a:endParaRPr lang="en-US"/>
           </a:p>
@@ -4609,7 +4609,7 @@
           <a:p>
             <a:fld id="{13021A00-1CC7-4A88-A21E-B880518EAD24}" type="datetime1">
               <a:rPr lang="en-US" smtClean="0"/>
-              <a:t>2/13/2024</a:t>
+              <a:t>2/15/2024</a:t>
             </a:fld>
             <a:endParaRPr lang="en-US"/>
           </a:p>
@@ -4920,7 +4920,7 @@
           <a:p>
             <a:fld id="{C40F85D7-7CC3-4F9E-9020-1B52E2E585E0}" type="datetime1">
               <a:rPr lang="en-US" smtClean="0"/>
-              <a:t>2/13/2024</a:t>
+              <a:t>2/15/2024</a:t>
             </a:fld>
             <a:endParaRPr lang="en-US"/>
           </a:p>
@@ -5208,7 +5208,7 @@
           <a:p>
             <a:fld id="{337EB336-B7A6-4008-8CFE-7CA99895E29D}" type="datetime1">
               <a:rPr lang="en-US" smtClean="0"/>
-              <a:t>2/13/2024</a:t>
+              <a:t>2/15/2024</a:t>
             </a:fld>
             <a:endParaRPr lang="en-US"/>
           </a:p>
@@ -5449,7 +5449,7 @@
           <a:p>
             <a:fld id="{B63FF571-EC8E-4993-90BD-68656B59D1EC}" type="datetime1">
               <a:rPr lang="en-US" smtClean="0"/>
-              <a:t>2/13/2024</a:t>
+              <a:t>2/15/2024</a:t>
             </a:fld>
             <a:endParaRPr lang="en-US"/>
           </a:p>
@@ -7362,8 +7362,8 @@
           </a:p>
         </p:txBody>
       </p:sp>
-      <mc:AlternateContent xmlns:mc="http://schemas.openxmlformats.org/markup-compatibility/2006">
-        <mc:Choice xmlns:a14="http://schemas.microsoft.com/office/drawing/2010/main" Requires="a14">
+      <mc:AlternateContent xmlns:mc="http://schemas.openxmlformats.org/markup-compatibility/2006" xmlns:a14="http://schemas.microsoft.com/office/drawing/2010/main">
+        <mc:Choice Requires="a14">
           <p:sp>
             <p:nvSpPr>
               <p:cNvPr id="10" name="Content Placeholder 9">
@@ -7810,7 +7810,7 @@
             </p:txBody>
           </p:sp>
         </mc:Choice>
-        <mc:Fallback>
+        <mc:Fallback xmlns="">
           <p:sp>
             <p:nvSpPr>
               <p:cNvPr id="10" name="Content Placeholder 9">
@@ -8258,8 +8258,8 @@
             </a:p>
           </p:txBody>
         </p:sp>
-        <mc:AlternateContent xmlns:mc="http://schemas.openxmlformats.org/markup-compatibility/2006">
-          <mc:Choice xmlns:a14="http://schemas.microsoft.com/office/drawing/2010/main" Requires="a14">
+        <mc:AlternateContent xmlns:mc="http://schemas.openxmlformats.org/markup-compatibility/2006" xmlns:a14="http://schemas.microsoft.com/office/drawing/2010/main">
+          <mc:Choice Requires="a14">
             <p:sp>
               <p:nvSpPr>
                 <p:cNvPr id="5" name="Rectangle 4">
@@ -8359,7 +8359,7 @@
               </p:txBody>
             </p:sp>
           </mc:Choice>
-          <mc:Fallback>
+          <mc:Fallback xmlns="">
             <p:sp>
               <p:nvSpPr>
                 <p:cNvPr id="5" name="Rectangle 4">
@@ -9280,8 +9280,8 @@
           </p:txBody>
         </p:sp>
       </p:grpSp>
-      <mc:AlternateContent xmlns:mc="http://schemas.openxmlformats.org/markup-compatibility/2006">
-        <mc:Choice xmlns:a14="http://schemas.microsoft.com/office/drawing/2010/main" Requires="a14">
+      <mc:AlternateContent xmlns:mc="http://schemas.openxmlformats.org/markup-compatibility/2006" xmlns:a14="http://schemas.microsoft.com/office/drawing/2010/main">
+        <mc:Choice Requires="a14">
           <p:sp>
             <p:nvSpPr>
               <p:cNvPr id="10" name="Rectangle 9">
@@ -9352,7 +9352,7 @@
             </p:txBody>
           </p:sp>
         </mc:Choice>
-        <mc:Fallback>
+        <mc:Fallback xmlns="">
           <p:sp>
             <p:nvSpPr>
               <p:cNvPr id="10" name="Rectangle 9">
@@ -10022,8 +10022,8 @@
           </a:p>
         </p:txBody>
       </p:sp>
-      <mc:AlternateContent xmlns:mc="http://schemas.openxmlformats.org/markup-compatibility/2006">
-        <mc:Choice xmlns:a14="http://schemas.microsoft.com/office/drawing/2010/main" Requires="a14">
+      <mc:AlternateContent xmlns:mc="http://schemas.openxmlformats.org/markup-compatibility/2006" xmlns:a14="http://schemas.microsoft.com/office/drawing/2010/main">
+        <mc:Choice Requires="a14">
           <p:sp>
             <p:nvSpPr>
               <p:cNvPr id="72" name="TextBox 71">
@@ -10105,7 +10105,7 @@
             </p:txBody>
           </p:sp>
         </mc:Choice>
-        <mc:Fallback>
+        <mc:Fallback xmlns="">
           <p:sp>
             <p:nvSpPr>
               <p:cNvPr id="72" name="TextBox 71">
@@ -10555,7 +10555,7 @@
               <a:lstStyle/>
               <a:p>
                 <a:r>
-                  <a:rPr lang="en-US" dirty="0"/>
+                  <a:rPr lang="en-US" dirty="0" smtClean="0"/>
                   <a:t>Trained a NN, </a:t>
                 </a:r>
                 <a14:m>
@@ -10824,8 +10824,96 @@
               <a:p>
                 <a:pPr lvl="1"/>
                 <a:r>
+                  <a:rPr lang="en-US" dirty="0" smtClean="0"/>
+                  <a:t>Estimate </a:t>
+                </a:r>
+                <a14:m>
+                  <m:oMath xmlns:m="http://schemas.openxmlformats.org/officeDocument/2006/math">
+                    <m:sSub>
+                      <m:sSubPr>
+                        <m:ctrlPr>
+                          <a:rPr lang="en-US" b="0" i="1" smtClean="0">
+                            <a:latin typeface="Cambria Math" panose="02040503050406030204" pitchFamily="18" charset="0"/>
+                          </a:rPr>
+                        </m:ctrlPr>
+                      </m:sSubPr>
+                      <m:e>
+                        <m:r>
+                          <a:rPr lang="en-US" b="0" i="1" smtClean="0">
+                            <a:latin typeface="Cambria Math" panose="02040503050406030204" pitchFamily="18" charset="0"/>
+                          </a:rPr>
+                          <m:t>𝐶</m:t>
+                        </m:r>
+                      </m:e>
+                      <m:sub>
+                        <m:r>
+                          <a:rPr lang="en-US" b="0" i="1" smtClean="0">
+                            <a:latin typeface="Cambria Math" panose="02040503050406030204" pitchFamily="18" charset="0"/>
+                          </a:rPr>
+                          <m:t>𝑠h</m:t>
+                        </m:r>
+                      </m:sub>
+                    </m:sSub>
+                  </m:oMath>
+                </a14:m>
+                <a:r>
+                  <a:rPr lang="en-US" dirty="0" smtClean="0"/>
+                  <a:t> from </a:t>
+                </a:r>
+                <a14:m>
+                  <m:oMath xmlns:m="http://schemas.openxmlformats.org/officeDocument/2006/math">
+                    <m:r>
+                      <a:rPr lang="en-US" b="0" i="1" smtClean="0">
+                        <a:latin typeface="Cambria Math" panose="02040503050406030204" pitchFamily="18" charset="0"/>
+                      </a:rPr>
+                      <m:t>𝑆</m:t>
+                    </m:r>
+                    <m:sSup>
+                      <m:sSupPr>
+                        <m:ctrlPr>
+                          <a:rPr lang="en-US" b="0" i="1" smtClean="0">
+                            <a:latin typeface="Cambria Math" panose="02040503050406030204" pitchFamily="18" charset="0"/>
+                          </a:rPr>
+                        </m:ctrlPr>
+                      </m:sSupPr>
+                      <m:e>
+                        <m:r>
+                          <a:rPr lang="en-US" b="0" i="1" smtClean="0">
+                            <a:latin typeface="Cambria Math" panose="02040503050406030204" pitchFamily="18" charset="0"/>
+                          </a:rPr>
+                          <m:t>𝑃</m:t>
+                        </m:r>
+                      </m:e>
+                      <m:sup>
+                        <m:r>
+                          <a:rPr lang="en-US" b="0" i="1" smtClean="0">
+                            <a:latin typeface="Cambria Math" panose="02040503050406030204" pitchFamily="18" charset="0"/>
+                          </a:rPr>
+                          <m:t>∗</m:t>
+                        </m:r>
+                      </m:sup>
+                    </m:sSup>
+                  </m:oMath>
+                </a14:m>
+                <a:r>
+                  <a:rPr lang="en-US" dirty="0" smtClean="0"/>
+                  <a:t> and quantify </a:t>
+                </a:r>
+                <a:r>
+                  <a:rPr lang="en-US" smtClean="0"/>
+                  <a:t>error and uncertainty</a:t>
+                </a:r>
+                <a:endParaRPr lang="en-US" dirty="0" smtClean="0"/>
+              </a:p>
+              <a:p>
+                <a:pPr lvl="1"/>
+                <a:r>
+                  <a:rPr lang="en-US" dirty="0" smtClean="0"/>
+                  <a:t>Transfer </a:t>
+                </a:r>
+                <a:r>
                   <a:rPr lang="en-US" dirty="0"/>
-                  <a:t>Transfer learning framework to predict </a:t>
+                  <a:t>learning framework to predict </a:t>
                 </a:r>
                 <a14:m>
                   <m:oMath xmlns:m="http://schemas.openxmlformats.org/officeDocument/2006/math">
@@ -11107,8 +11195,8 @@
           </a:p>
         </p:txBody>
       </p:sp>
-      <mc:AlternateContent xmlns:mc="http://schemas.openxmlformats.org/markup-compatibility/2006">
-        <mc:Choice xmlns:a14="http://schemas.microsoft.com/office/drawing/2010/main" Requires="a14">
+      <mc:AlternateContent xmlns:mc="http://schemas.openxmlformats.org/markup-compatibility/2006" xmlns:a14="http://schemas.microsoft.com/office/drawing/2010/main">
+        <mc:Choice Requires="a14">
           <p:sp>
             <p:nvSpPr>
               <p:cNvPr id="5" name="Content Placeholder 2">
@@ -12463,7 +12551,7 @@
             </p:txBody>
           </p:sp>
         </mc:Choice>
-        <mc:Fallback>
+        <mc:Fallback xmlns="">
           <p:sp>
             <p:nvSpPr>
               <p:cNvPr id="5" name="Content Placeholder 2">

--- a/Updates/2024_02_15_SP500_MisaelMorales.pptx
+++ b/Updates/2024_02_15_SP500_MisaelMorales.pptx
@@ -10897,13 +10897,8 @@
                 </a14:m>
                 <a:r>
                   <a:rPr lang="en-US" dirty="0" smtClean="0"/>
-                  <a:t> and quantify </a:t>
+                  <a:t> and quantify error and uncertainty</a:t>
                 </a:r>
-                <a:r>
-                  <a:rPr lang="en-US" smtClean="0"/>
-                  <a:t>error and uncertainty</a:t>
-                </a:r>
-                <a:endParaRPr lang="en-US" dirty="0" smtClean="0"/>
               </a:p>
               <a:p>
                 <a:pPr lvl="1"/>
@@ -12901,6 +12896,89 @@
   <p:clrMapOvr>
     <a:masterClrMapping/>
   </p:clrMapOvr>
+  <p:timing>
+    <p:tnLst>
+      <p:par>
+        <p:cTn id="1" dur="indefinite" restart="never" nodeType="tmRoot">
+          <p:childTnLst>
+            <p:seq concurrent="1" nextAc="seek">
+              <p:cTn id="2" dur="indefinite" nodeType="mainSeq">
+                <p:childTnLst>
+                  <p:par>
+                    <p:cTn id="3" fill="hold">
+                      <p:stCondLst>
+                        <p:cond delay="indefinite"/>
+                      </p:stCondLst>
+                      <p:childTnLst>
+                        <p:par>
+                          <p:cTn id="4" fill="hold">
+                            <p:stCondLst>
+                              <p:cond delay="0"/>
+                            </p:stCondLst>
+                            <p:childTnLst>
+                              <p:par>
+                                <p:cTn id="5" presetID="10" presetClass="exit" presetSubtype="0" fill="hold" nodeType="clickEffect">
+                                  <p:stCondLst>
+                                    <p:cond delay="0"/>
+                                  </p:stCondLst>
+                                  <p:childTnLst>
+                                    <p:animEffect transition="out" filter="fade">
+                                      <p:cBhvr>
+                                        <p:cTn id="6" dur="500"/>
+                                        <p:tgtEl>
+                                          <p:spTgt spid="7"/>
+                                        </p:tgtEl>
+                                      </p:cBhvr>
+                                    </p:animEffect>
+                                    <p:set>
+                                      <p:cBhvr>
+                                        <p:cTn id="7" dur="1" fill="hold">
+                                          <p:stCondLst>
+                                            <p:cond delay="499"/>
+                                          </p:stCondLst>
+                                        </p:cTn>
+                                        <p:tgtEl>
+                                          <p:spTgt spid="7"/>
+                                        </p:tgtEl>
+                                        <p:attrNameLst>
+                                          <p:attrName>style.visibility</p:attrName>
+                                        </p:attrNameLst>
+                                      </p:cBhvr>
+                                      <p:to>
+                                        <p:strVal val="hidden"/>
+                                      </p:to>
+                                    </p:set>
+                                  </p:childTnLst>
+                                </p:cTn>
+                              </p:par>
+                            </p:childTnLst>
+                          </p:cTn>
+                        </p:par>
+                      </p:childTnLst>
+                    </p:cTn>
+                  </p:par>
+                </p:childTnLst>
+              </p:cTn>
+              <p:prevCondLst>
+                <p:cond evt="onPrev" delay="0">
+                  <p:tgtEl>
+                    <p:sldTgt/>
+                  </p:tgtEl>
+                </p:cond>
+              </p:prevCondLst>
+              <p:nextCondLst>
+                <p:cond evt="onNext" delay="0">
+                  <p:tgtEl>
+                    <p:sldTgt/>
+                  </p:tgtEl>
+                </p:cond>
+              </p:nextCondLst>
+            </p:seq>
+          </p:childTnLst>
+        </p:cTn>
+      </p:par>
+    </p:tnLst>
+  </p:timing>
 </p:sld>
 </file>
 

--- a/Updates/2024_02_15_SP500_MisaelMorales.pptx
+++ b/Updates/2024_02_15_SP500_MisaelMorales.pptx
@@ -5,7 +5,7 @@
     <p:sldMasterId id="2147483648" r:id="rId1"/>
   </p:sldMasterIdLst>
   <p:notesMasterIdLst>
-    <p:notesMasterId r:id="rId12"/>
+    <p:notesMasterId r:id="rId15"/>
   </p:notesMasterIdLst>
   <p:sldIdLst>
     <p:sldId id="256" r:id="rId2"/>
@@ -18,6 +18,9 @@
     <p:sldId id="275" r:id="rId9"/>
     <p:sldId id="274" r:id="rId10"/>
     <p:sldId id="276" r:id="rId11"/>
+    <p:sldId id="278" r:id="rId12"/>
+    <p:sldId id="277" r:id="rId13"/>
+    <p:sldId id="279" r:id="rId14"/>
   </p:sldIdLst>
   <p:sldSz cx="12192000" cy="6858000"/>
   <p:notesSz cx="6858000" cy="9144000"/>
@@ -1975,6 +1978,61 @@
     </pc:docChg>
   </pc:docChgLst>
   <pc:docChgLst>
+    <pc:chgData name="Morales, Misael M" userId="1d0ead06-f695-4fa0-9a14-d29dc7a06678" providerId="ADAL" clId="{FC58CBF3-B76F-43DB-8F04-6BA31560B778}"/>
+    <pc:docChg chg="undo custSel modSld">
+      <pc:chgData name="Morales, Misael M" userId="1d0ead06-f695-4fa0-9a14-d29dc7a06678" providerId="ADAL" clId="{FC58CBF3-B76F-43DB-8F04-6BA31560B778}" dt="2023-09-13T02:30:37.887" v="702" actId="1076"/>
+      <pc:docMkLst>
+        <pc:docMk/>
+      </pc:docMkLst>
+      <pc:sldChg chg="modSp mod">
+        <pc:chgData name="Morales, Misael M" userId="1d0ead06-f695-4fa0-9a14-d29dc7a06678" providerId="ADAL" clId="{FC58CBF3-B76F-43DB-8F04-6BA31560B778}" dt="2023-09-13T02:24:02.325" v="12" actId="20577"/>
+        <pc:sldMkLst>
+          <pc:docMk/>
+          <pc:sldMk cId="469576663" sldId="256"/>
+        </pc:sldMkLst>
+        <pc:spChg chg="mod">
+          <ac:chgData name="Morales, Misael M" userId="1d0ead06-f695-4fa0-9a14-d29dc7a06678" providerId="ADAL" clId="{FC58CBF3-B76F-43DB-8F04-6BA31560B778}" dt="2023-09-13T02:24:02.325" v="12" actId="20577"/>
+          <ac:spMkLst>
+            <pc:docMk/>
+            <pc:sldMk cId="469576663" sldId="256"/>
+            <ac:spMk id="3" creationId="{7B64883F-7067-394F-89AB-874A2F741B6C}"/>
+          </ac:spMkLst>
+        </pc:spChg>
+      </pc:sldChg>
+      <pc:sldChg chg="addSp delSp modSp mod">
+        <pc:chgData name="Morales, Misael M" userId="1d0ead06-f695-4fa0-9a14-d29dc7a06678" providerId="ADAL" clId="{FC58CBF3-B76F-43DB-8F04-6BA31560B778}" dt="2023-09-13T02:30:37.887" v="702" actId="1076"/>
+        <pc:sldMkLst>
+          <pc:docMk/>
+          <pc:sldMk cId="3568296946" sldId="257"/>
+        </pc:sldMkLst>
+        <pc:spChg chg="del mod">
+          <ac:chgData name="Morales, Misael M" userId="1d0ead06-f695-4fa0-9a14-d29dc7a06678" providerId="ADAL" clId="{FC58CBF3-B76F-43DB-8F04-6BA31560B778}" dt="2023-09-13T02:27:15.256" v="424" actId="478"/>
+          <ac:spMkLst>
+            <pc:docMk/>
+            <pc:sldMk cId="3568296946" sldId="257"/>
+            <ac:spMk id="2" creationId="{8FDFE5BB-707F-D7A0-91F3-4902AFC53E35}"/>
+          </ac:spMkLst>
+        </pc:spChg>
+        <pc:spChg chg="mod">
+          <ac:chgData name="Morales, Misael M" userId="1d0ead06-f695-4fa0-9a14-d29dc7a06678" providerId="ADAL" clId="{FC58CBF3-B76F-43DB-8F04-6BA31560B778}" dt="2023-09-13T02:30:37.887" v="702" actId="1076"/>
+          <ac:spMkLst>
+            <pc:docMk/>
+            <pc:sldMk cId="3568296946" sldId="257"/>
+            <ac:spMk id="3" creationId="{BAF7B33C-0CD5-D24C-C386-37C9733EDA50}"/>
+          </ac:spMkLst>
+        </pc:spChg>
+        <pc:spChg chg="add del mod">
+          <ac:chgData name="Morales, Misael M" userId="1d0ead06-f695-4fa0-9a14-d29dc7a06678" providerId="ADAL" clId="{FC58CBF3-B76F-43DB-8F04-6BA31560B778}" dt="2023-09-13T02:27:17.020" v="425" actId="478"/>
+          <ac:spMkLst>
+            <pc:docMk/>
+            <pc:sldMk cId="3568296946" sldId="257"/>
+            <ac:spMk id="5" creationId="{230C44F1-8639-9F45-6AEE-6C6D9F19062F}"/>
+          </ac:spMkLst>
+        </pc:spChg>
+      </pc:sldChg>
+    </pc:docChg>
+  </pc:docChgLst>
+  <pc:docChgLst>
     <pc:chgData name="Morales, Misael M" userId="1d0ead06-f695-4fa0-9a14-d29dc7a06678" providerId="ADAL" clId="{CACFB818-FA64-4CC5-A002-EAF191D3440A}"/>
     <pc:docChg chg="custSel addSld delSld modSld">
       <pc:chgData name="Morales, Misael M" userId="1d0ead06-f695-4fa0-9a14-d29dc7a06678" providerId="ADAL" clId="{CACFB818-FA64-4CC5-A002-EAF191D3440A}" dt="2023-10-11T16:49:52.082" v="2471" actId="27636"/>
@@ -2069,61 +2127,6 @@
             <pc:docMk/>
             <pc:sldMk cId="1841832818" sldId="261"/>
             <ac:spMk id="3" creationId="{1872E4FC-F276-73C1-44D8-FEFCE8B24AF2}"/>
-          </ac:spMkLst>
-        </pc:spChg>
-      </pc:sldChg>
-    </pc:docChg>
-  </pc:docChgLst>
-  <pc:docChgLst>
-    <pc:chgData name="Morales, Misael M" userId="1d0ead06-f695-4fa0-9a14-d29dc7a06678" providerId="ADAL" clId="{FC58CBF3-B76F-43DB-8F04-6BA31560B778}"/>
-    <pc:docChg chg="undo custSel modSld">
-      <pc:chgData name="Morales, Misael M" userId="1d0ead06-f695-4fa0-9a14-d29dc7a06678" providerId="ADAL" clId="{FC58CBF3-B76F-43DB-8F04-6BA31560B778}" dt="2023-09-13T02:30:37.887" v="702" actId="1076"/>
-      <pc:docMkLst>
-        <pc:docMk/>
-      </pc:docMkLst>
-      <pc:sldChg chg="modSp mod">
-        <pc:chgData name="Morales, Misael M" userId="1d0ead06-f695-4fa0-9a14-d29dc7a06678" providerId="ADAL" clId="{FC58CBF3-B76F-43DB-8F04-6BA31560B778}" dt="2023-09-13T02:24:02.325" v="12" actId="20577"/>
-        <pc:sldMkLst>
-          <pc:docMk/>
-          <pc:sldMk cId="469576663" sldId="256"/>
-        </pc:sldMkLst>
-        <pc:spChg chg="mod">
-          <ac:chgData name="Morales, Misael M" userId="1d0ead06-f695-4fa0-9a14-d29dc7a06678" providerId="ADAL" clId="{FC58CBF3-B76F-43DB-8F04-6BA31560B778}" dt="2023-09-13T02:24:02.325" v="12" actId="20577"/>
-          <ac:spMkLst>
-            <pc:docMk/>
-            <pc:sldMk cId="469576663" sldId="256"/>
-            <ac:spMk id="3" creationId="{7B64883F-7067-394F-89AB-874A2F741B6C}"/>
-          </ac:spMkLst>
-        </pc:spChg>
-      </pc:sldChg>
-      <pc:sldChg chg="addSp delSp modSp mod">
-        <pc:chgData name="Morales, Misael M" userId="1d0ead06-f695-4fa0-9a14-d29dc7a06678" providerId="ADAL" clId="{FC58CBF3-B76F-43DB-8F04-6BA31560B778}" dt="2023-09-13T02:30:37.887" v="702" actId="1076"/>
-        <pc:sldMkLst>
-          <pc:docMk/>
-          <pc:sldMk cId="3568296946" sldId="257"/>
-        </pc:sldMkLst>
-        <pc:spChg chg="del mod">
-          <ac:chgData name="Morales, Misael M" userId="1d0ead06-f695-4fa0-9a14-d29dc7a06678" providerId="ADAL" clId="{FC58CBF3-B76F-43DB-8F04-6BA31560B778}" dt="2023-09-13T02:27:15.256" v="424" actId="478"/>
-          <ac:spMkLst>
-            <pc:docMk/>
-            <pc:sldMk cId="3568296946" sldId="257"/>
-            <ac:spMk id="2" creationId="{8FDFE5BB-707F-D7A0-91F3-4902AFC53E35}"/>
-          </ac:spMkLst>
-        </pc:spChg>
-        <pc:spChg chg="mod">
-          <ac:chgData name="Morales, Misael M" userId="1d0ead06-f695-4fa0-9a14-d29dc7a06678" providerId="ADAL" clId="{FC58CBF3-B76F-43DB-8F04-6BA31560B778}" dt="2023-09-13T02:30:37.887" v="702" actId="1076"/>
-          <ac:spMkLst>
-            <pc:docMk/>
-            <pc:sldMk cId="3568296946" sldId="257"/>
-            <ac:spMk id="3" creationId="{BAF7B33C-0CD5-D24C-C386-37C9733EDA50}"/>
-          </ac:spMkLst>
-        </pc:spChg>
-        <pc:spChg chg="add del mod">
-          <ac:chgData name="Morales, Misael M" userId="1d0ead06-f695-4fa0-9a14-d29dc7a06678" providerId="ADAL" clId="{FC58CBF3-B76F-43DB-8F04-6BA31560B778}" dt="2023-09-13T02:27:17.020" v="425" actId="478"/>
-          <ac:spMkLst>
-            <pc:docMk/>
-            <pc:sldMk cId="3568296946" sldId="257"/>
-            <ac:spMk id="5" creationId="{230C44F1-8639-9F45-6AEE-6C6D9F19062F}"/>
           </ac:spMkLst>
         </pc:spChg>
       </pc:sldChg>
@@ -2214,7 +2217,7 @@
           <a:p>
             <a:fld id="{E3116162-49D8-43D0-8E45-EA22045512C0}" type="datetimeFigureOut">
               <a:rPr lang="en-US" smtClean="0"/>
-              <a:t>2/15/2024</a:t>
+              <a:t>3/5/2024</a:t>
             </a:fld>
             <a:endParaRPr lang="en-US"/>
           </a:p>
@@ -2652,6 +2655,114 @@
 </p:notes>
 </file>
 
+<file path=ppt/notesSlides/notesSlide3.xml><?xml version="1.0" encoding="utf-8"?>
+<p:notes xmlns:a="http://schemas.openxmlformats.org/drawingml/2006/main" xmlns:r="http://schemas.openxmlformats.org/officeDocument/2006/relationships" xmlns:p="http://schemas.openxmlformats.org/presentationml/2006/main">
+  <p:cSld>
+    <p:spTree>
+      <p:nvGrpSpPr>
+        <p:cNvPr id="1" name="">
+          <a:extLst>
+            <a:ext uri="{FF2B5EF4-FFF2-40B4-BE49-F238E27FC236}">
+              <a16:creationId xmlns:a16="http://schemas.microsoft.com/office/drawing/2014/main" id="{7886443D-76B2-5C21-BADE-9355462A370A}"/>
+            </a:ext>
+          </a:extLst>
+        </p:cNvPr>
+        <p:cNvGrpSpPr/>
+        <p:nvPr/>
+      </p:nvGrpSpPr>
+      <p:grpSpPr>
+        <a:xfrm>
+          <a:off x="0" y="0"/>
+          <a:ext cx="0" cy="0"/>
+          <a:chOff x="0" y="0"/>
+          <a:chExt cx="0" cy="0"/>
+        </a:xfrm>
+      </p:grpSpPr>
+      <p:sp>
+        <p:nvSpPr>
+          <p:cNvPr id="2" name="Slide Image Placeholder 1">
+            <a:extLst>
+              <a:ext uri="{FF2B5EF4-FFF2-40B4-BE49-F238E27FC236}">
+                <a16:creationId xmlns:a16="http://schemas.microsoft.com/office/drawing/2014/main" id="{A4626126-EF71-CD20-C585-AAC686423442}"/>
+              </a:ext>
+            </a:extLst>
+          </p:cNvPr>
+          <p:cNvSpPr>
+            <a:spLocks noGrp="1" noRot="1" noChangeAspect="1"/>
+          </p:cNvSpPr>
+          <p:nvPr>
+            <p:ph type="sldImg"/>
+          </p:nvPr>
+        </p:nvSpPr>
+        <p:spPr/>
+      </p:sp>
+      <p:sp>
+        <p:nvSpPr>
+          <p:cNvPr id="3" name="Notes Placeholder 2">
+            <a:extLst>
+              <a:ext uri="{FF2B5EF4-FFF2-40B4-BE49-F238E27FC236}">
+                <a16:creationId xmlns:a16="http://schemas.microsoft.com/office/drawing/2014/main" id="{A8DF2C20-0AFE-EF59-6275-5F96566EEE58}"/>
+              </a:ext>
+            </a:extLst>
+          </p:cNvPr>
+          <p:cNvSpPr>
+            <a:spLocks noGrp="1"/>
+          </p:cNvSpPr>
+          <p:nvPr>
+            <p:ph type="body" idx="1"/>
+          </p:nvPr>
+        </p:nvSpPr>
+        <p:spPr/>
+        <p:txBody>
+          <a:bodyPr/>
+          <a:lstStyle/>
+          <a:p>
+            <a:endParaRPr lang="en-US" dirty="0"/>
+          </a:p>
+        </p:txBody>
+      </p:sp>
+      <p:sp>
+        <p:nvSpPr>
+          <p:cNvPr id="4" name="Slide Number Placeholder 3">
+            <a:extLst>
+              <a:ext uri="{FF2B5EF4-FFF2-40B4-BE49-F238E27FC236}">
+                <a16:creationId xmlns:a16="http://schemas.microsoft.com/office/drawing/2014/main" id="{8F22DC7B-B21D-16FB-EB5F-507ADFA2D686}"/>
+              </a:ext>
+            </a:extLst>
+          </p:cNvPr>
+          <p:cNvSpPr>
+            <a:spLocks noGrp="1"/>
+          </p:cNvSpPr>
+          <p:nvPr>
+            <p:ph type="sldNum" sz="quarter" idx="5"/>
+          </p:nvPr>
+        </p:nvSpPr>
+        <p:spPr/>
+        <p:txBody>
+          <a:bodyPr/>
+          <a:lstStyle/>
+          <a:p>
+            <a:fld id="{72AE49AA-F4B6-4DDE-BE83-C847BA9C98DF}" type="slidenum">
+              <a:rPr lang="en-US" smtClean="0"/>
+              <a:t>13</a:t>
+            </a:fld>
+            <a:endParaRPr lang="en-US"/>
+          </a:p>
+        </p:txBody>
+      </p:sp>
+    </p:spTree>
+    <p:extLst>
+      <p:ext uri="{BB962C8B-B14F-4D97-AF65-F5344CB8AC3E}">
+        <p14:creationId xmlns:p14="http://schemas.microsoft.com/office/powerpoint/2010/main" val="2147836614"/>
+      </p:ext>
+    </p:extLst>
+  </p:cSld>
+  <p:clrMapOvr>
+    <a:masterClrMapping/>
+  </p:clrMapOvr>
+</p:notes>
+</file>
+
 <file path=ppt/slideLayouts/slideLayout1.xml><?xml version="1.0" encoding="utf-8"?>
 <p:sldLayout xmlns:a="http://schemas.openxmlformats.org/drawingml/2006/main" xmlns:r="http://schemas.openxmlformats.org/officeDocument/2006/relationships" xmlns:p="http://schemas.openxmlformats.org/presentationml/2006/main" type="title" preserve="1">
   <p:cSld name="Title Slide">
@@ -2799,7 +2910,7 @@
           <a:p>
             <a:fld id="{D71D3BE9-04E4-4706-83E7-877FB49D5130}" type="datetime1">
               <a:rPr lang="en-US" smtClean="0"/>
-              <a:t>2/15/2024</a:t>
+              <a:t>3/5/2024</a:t>
             </a:fld>
             <a:endParaRPr lang="en-US"/>
           </a:p>
@@ -2997,7 +3108,7 @@
           <a:p>
             <a:fld id="{784E2626-A12A-4F58-AD7A-A459D0435A78}" type="datetime1">
               <a:rPr lang="en-US" smtClean="0"/>
-              <a:t>2/15/2024</a:t>
+              <a:t>3/5/2024</a:t>
             </a:fld>
             <a:endParaRPr lang="en-US"/>
           </a:p>
@@ -3205,7 +3316,7 @@
           <a:p>
             <a:fld id="{A30750CD-A14E-48DC-BAB2-8E357B3BB818}" type="datetime1">
               <a:rPr lang="en-US" smtClean="0"/>
-              <a:t>2/15/2024</a:t>
+              <a:t>3/5/2024</a:t>
             </a:fld>
             <a:endParaRPr lang="en-US"/>
           </a:p>
@@ -3403,7 +3514,7 @@
           <a:p>
             <a:fld id="{AFCBE70D-5CAA-4EA9-B5DA-9F07C386E4E6}" type="datetime1">
               <a:rPr lang="en-US" smtClean="0"/>
-              <a:t>2/15/2024</a:t>
+              <a:t>3/5/2024</a:t>
             </a:fld>
             <a:endParaRPr lang="en-US"/>
           </a:p>
@@ -3678,7 +3789,7 @@
           <a:p>
             <a:fld id="{1E68F9BB-E13F-4ED4-8134-6C034A5B6371}" type="datetime1">
               <a:rPr lang="en-US" smtClean="0"/>
-              <a:t>2/15/2024</a:t>
+              <a:t>3/5/2024</a:t>
             </a:fld>
             <a:endParaRPr lang="en-US"/>
           </a:p>
@@ -3943,7 +4054,7 @@
           <a:p>
             <a:fld id="{8C45109A-77C2-4BE1-AAE8-F24A2E5E97E2}" type="datetime1">
               <a:rPr lang="en-US" smtClean="0"/>
-              <a:t>2/15/2024</a:t>
+              <a:t>3/5/2024</a:t>
             </a:fld>
             <a:endParaRPr lang="en-US"/>
           </a:p>
@@ -4355,7 +4466,7 @@
           <a:p>
             <a:fld id="{4322BF07-3D0B-481F-A43A-1B500B45FBAC}" type="datetime1">
               <a:rPr lang="en-US" smtClean="0"/>
-              <a:t>2/15/2024</a:t>
+              <a:t>3/5/2024</a:t>
             </a:fld>
             <a:endParaRPr lang="en-US"/>
           </a:p>
@@ -4496,7 +4607,7 @@
           <a:p>
             <a:fld id="{0E4FF7B2-6570-4102-9304-65F5D5BD4DA7}" type="datetime1">
               <a:rPr lang="en-US" smtClean="0"/>
-              <a:t>2/15/2024</a:t>
+              <a:t>3/5/2024</a:t>
             </a:fld>
             <a:endParaRPr lang="en-US"/>
           </a:p>
@@ -4609,7 +4720,7 @@
           <a:p>
             <a:fld id="{13021A00-1CC7-4A88-A21E-B880518EAD24}" type="datetime1">
               <a:rPr lang="en-US" smtClean="0"/>
-              <a:t>2/15/2024</a:t>
+              <a:t>3/5/2024</a:t>
             </a:fld>
             <a:endParaRPr lang="en-US"/>
           </a:p>
@@ -4920,7 +5031,7 @@
           <a:p>
             <a:fld id="{C40F85D7-7CC3-4F9E-9020-1B52E2E585E0}" type="datetime1">
               <a:rPr lang="en-US" smtClean="0"/>
-              <a:t>2/15/2024</a:t>
+              <a:t>3/5/2024</a:t>
             </a:fld>
             <a:endParaRPr lang="en-US"/>
           </a:p>
@@ -5208,7 +5319,7 @@
           <a:p>
             <a:fld id="{337EB336-B7A6-4008-8CFE-7CA99895E29D}" type="datetime1">
               <a:rPr lang="en-US" smtClean="0"/>
-              <a:t>2/15/2024</a:t>
+              <a:t>3/5/2024</a:t>
             </a:fld>
             <a:endParaRPr lang="en-US"/>
           </a:p>
@@ -5449,7 +5560,7 @@
           <a:p>
             <a:fld id="{B63FF571-EC8E-4993-90BD-68656B59D1EC}" type="datetime1">
               <a:rPr lang="en-US" smtClean="0"/>
-              <a:t>2/15/2024</a:t>
+              <a:t>3/5/2024</a:t>
             </a:fld>
             <a:endParaRPr lang="en-US"/>
           </a:p>
@@ -6887,6 +6998,2210 @@
     <p:extLst>
       <p:ext uri="{BB962C8B-B14F-4D97-AF65-F5344CB8AC3E}">
         <p14:creationId xmlns:p14="http://schemas.microsoft.com/office/powerpoint/2010/main" val="151011693"/>
+      </p:ext>
+    </p:extLst>
+  </p:cSld>
+  <p:clrMapOvr>
+    <a:masterClrMapping/>
+  </p:clrMapOvr>
+</p:sld>
+</file>
+
+<file path=ppt/slides/slide11.xml><?xml version="1.0" encoding="utf-8"?>
+<p:sld xmlns:a="http://schemas.openxmlformats.org/drawingml/2006/main" xmlns:r="http://schemas.openxmlformats.org/officeDocument/2006/relationships" xmlns:p="http://schemas.openxmlformats.org/presentationml/2006/main">
+  <p:cSld>
+    <p:spTree>
+      <p:nvGrpSpPr>
+        <p:cNvPr id="1" name=""/>
+        <p:cNvGrpSpPr/>
+        <p:nvPr/>
+      </p:nvGrpSpPr>
+      <p:grpSpPr>
+        <a:xfrm>
+          <a:off x="0" y="0"/>
+          <a:ext cx="0" cy="0"/>
+          <a:chOff x="0" y="0"/>
+          <a:chExt cx="0" cy="0"/>
+        </a:xfrm>
+      </p:grpSpPr>
+      <p:sp>
+        <p:nvSpPr>
+          <p:cNvPr id="2" name="Title 1">
+            <a:extLst>
+              <a:ext uri="{FF2B5EF4-FFF2-40B4-BE49-F238E27FC236}">
+                <a16:creationId xmlns:a16="http://schemas.microsoft.com/office/drawing/2014/main" id="{878D5671-8C56-1CC2-32E7-21AEF3142A95}"/>
+              </a:ext>
+            </a:extLst>
+          </p:cNvPr>
+          <p:cNvSpPr>
+            <a:spLocks noGrp="1"/>
+          </p:cNvSpPr>
+          <p:nvPr>
+            <p:ph type="title"/>
+          </p:nvPr>
+        </p:nvSpPr>
+        <p:spPr/>
+        <p:txBody>
+          <a:bodyPr/>
+          <a:lstStyle/>
+          <a:p>
+            <a:r>
+              <a:rPr lang="en-US" dirty="0"/>
+              <a:t>End</a:t>
+            </a:r>
+          </a:p>
+        </p:txBody>
+      </p:sp>
+      <p:sp>
+        <p:nvSpPr>
+          <p:cNvPr id="3" name="Text Placeholder 2">
+            <a:extLst>
+              <a:ext uri="{FF2B5EF4-FFF2-40B4-BE49-F238E27FC236}">
+                <a16:creationId xmlns:a16="http://schemas.microsoft.com/office/drawing/2014/main" id="{7E80AF72-2505-BCA2-0145-8A3427076299}"/>
+              </a:ext>
+            </a:extLst>
+          </p:cNvPr>
+          <p:cNvSpPr>
+            <a:spLocks noGrp="1"/>
+          </p:cNvSpPr>
+          <p:nvPr>
+            <p:ph type="body" idx="1"/>
+          </p:nvPr>
+        </p:nvSpPr>
+        <p:spPr/>
+        <p:txBody>
+          <a:bodyPr/>
+          <a:lstStyle/>
+          <a:p>
+            <a:endParaRPr lang="en-US"/>
+          </a:p>
+        </p:txBody>
+      </p:sp>
+      <p:sp>
+        <p:nvSpPr>
+          <p:cNvPr id="4" name="Slide Number Placeholder 3">
+            <a:extLst>
+              <a:ext uri="{FF2B5EF4-FFF2-40B4-BE49-F238E27FC236}">
+                <a16:creationId xmlns:a16="http://schemas.microsoft.com/office/drawing/2014/main" id="{54D7D8BE-0CE4-9E66-FC26-0B77B4677D1D}"/>
+              </a:ext>
+            </a:extLst>
+          </p:cNvPr>
+          <p:cNvSpPr>
+            <a:spLocks noGrp="1"/>
+          </p:cNvSpPr>
+          <p:nvPr>
+            <p:ph type="sldNum" sz="quarter" idx="12"/>
+          </p:nvPr>
+        </p:nvSpPr>
+        <p:spPr/>
+        <p:txBody>
+          <a:bodyPr/>
+          <a:lstStyle/>
+          <a:p>
+            <a:fld id="{AC0D4EF2-159E-40B9-9280-8D857A02F939}" type="slidenum">
+              <a:rPr lang="en-US" smtClean="0"/>
+              <a:t>11</a:t>
+            </a:fld>
+            <a:endParaRPr lang="en-US"/>
+          </a:p>
+        </p:txBody>
+      </p:sp>
+    </p:spTree>
+    <p:extLst>
+      <p:ext uri="{BB962C8B-B14F-4D97-AF65-F5344CB8AC3E}">
+        <p14:creationId xmlns:p14="http://schemas.microsoft.com/office/powerpoint/2010/main" val="1892854574"/>
+      </p:ext>
+    </p:extLst>
+  </p:cSld>
+  <p:clrMapOvr>
+    <a:masterClrMapping/>
+  </p:clrMapOvr>
+</p:sld>
+</file>
+
+<file path=ppt/slides/slide12.xml><?xml version="1.0" encoding="utf-8"?>
+<p:sld xmlns:a="http://schemas.openxmlformats.org/drawingml/2006/main" xmlns:r="http://schemas.openxmlformats.org/officeDocument/2006/relationships" xmlns:p="http://schemas.openxmlformats.org/presentationml/2006/main">
+  <p:cSld>
+    <p:spTree>
+      <p:nvGrpSpPr>
+        <p:cNvPr id="1" name=""/>
+        <p:cNvGrpSpPr/>
+        <p:nvPr/>
+      </p:nvGrpSpPr>
+      <p:grpSpPr>
+        <a:xfrm>
+          <a:off x="0" y="0"/>
+          <a:ext cx="0" cy="0"/>
+          <a:chOff x="0" y="0"/>
+          <a:chExt cx="0" cy="0"/>
+        </a:xfrm>
+      </p:grpSpPr>
+      <p:sp>
+        <p:nvSpPr>
+          <p:cNvPr id="2" name="Slide Number Placeholder 1">
+            <a:extLst>
+              <a:ext uri="{FF2B5EF4-FFF2-40B4-BE49-F238E27FC236}">
+                <a16:creationId xmlns:a16="http://schemas.microsoft.com/office/drawing/2014/main" id="{F724FF51-6E04-60F5-8D5F-E21D63890ACF}"/>
+              </a:ext>
+            </a:extLst>
+          </p:cNvPr>
+          <p:cNvSpPr>
+            <a:spLocks noGrp="1"/>
+          </p:cNvSpPr>
+          <p:nvPr>
+            <p:ph type="sldNum" sz="quarter" idx="12"/>
+          </p:nvPr>
+        </p:nvSpPr>
+        <p:spPr/>
+        <p:txBody>
+          <a:bodyPr/>
+          <a:lstStyle/>
+          <a:p>
+            <a:fld id="{AC0D4EF2-159E-40B9-9280-8D857A02F939}" type="slidenum">
+              <a:rPr lang="en-US" smtClean="0"/>
+              <a:t>12</a:t>
+            </a:fld>
+            <a:endParaRPr lang="en-US"/>
+          </a:p>
+        </p:txBody>
+      </p:sp>
+    </p:spTree>
+    <p:extLst>
+      <p:ext uri="{BB962C8B-B14F-4D97-AF65-F5344CB8AC3E}">
+        <p14:creationId xmlns:p14="http://schemas.microsoft.com/office/powerpoint/2010/main" val="3164049104"/>
+      </p:ext>
+    </p:extLst>
+  </p:cSld>
+  <p:clrMapOvr>
+    <a:masterClrMapping/>
+  </p:clrMapOvr>
+</p:sld>
+</file>
+
+<file path=ppt/slides/slide13.xml><?xml version="1.0" encoding="utf-8"?>
+<p:sld xmlns:a="http://schemas.openxmlformats.org/drawingml/2006/main" xmlns:r="http://schemas.openxmlformats.org/officeDocument/2006/relationships" xmlns:p="http://schemas.openxmlformats.org/presentationml/2006/main">
+  <p:cSld>
+    <p:spTree>
+      <p:nvGrpSpPr>
+        <p:cNvPr id="1" name="">
+          <a:extLst>
+            <a:ext uri="{FF2B5EF4-FFF2-40B4-BE49-F238E27FC236}">
+              <a16:creationId xmlns:a16="http://schemas.microsoft.com/office/drawing/2014/main" id="{FF4EB7BE-A6DC-C064-6336-E31890F2FE32}"/>
+            </a:ext>
+          </a:extLst>
+        </p:cNvPr>
+        <p:cNvGrpSpPr/>
+        <p:nvPr/>
+      </p:nvGrpSpPr>
+      <p:grpSpPr>
+        <a:xfrm>
+          <a:off x="0" y="0"/>
+          <a:ext cx="0" cy="0"/>
+          <a:chOff x="0" y="0"/>
+          <a:chExt cx="0" cy="0"/>
+        </a:xfrm>
+      </p:grpSpPr>
+      <p:grpSp>
+        <p:nvGrpSpPr>
+          <p:cNvPr id="42" name="Group 41">
+            <a:extLst>
+              <a:ext uri="{FF2B5EF4-FFF2-40B4-BE49-F238E27FC236}">
+                <a16:creationId xmlns:a16="http://schemas.microsoft.com/office/drawing/2014/main" id="{F6D8C767-1247-D081-357D-99FA745382A1}"/>
+              </a:ext>
+            </a:extLst>
+          </p:cNvPr>
+          <p:cNvGrpSpPr/>
+          <p:nvPr/>
+        </p:nvGrpSpPr>
+        <p:grpSpPr>
+          <a:xfrm>
+            <a:off x="7046240" y="1021219"/>
+            <a:ext cx="1453896" cy="2240280"/>
+            <a:chOff x="7774665" y="1021220"/>
+            <a:chExt cx="1453896" cy="2240280"/>
+          </a:xfrm>
+        </p:grpSpPr>
+        <p:sp>
+          <p:nvSpPr>
+            <p:cNvPr id="9" name="Trapezoid 8">
+              <a:extLst>
+                <a:ext uri="{FF2B5EF4-FFF2-40B4-BE49-F238E27FC236}">
+                  <a16:creationId xmlns:a16="http://schemas.microsoft.com/office/drawing/2014/main" id="{59CF0FB4-143D-EE3D-493C-FA890721BD7A}"/>
+                </a:ext>
+              </a:extLst>
+            </p:cNvPr>
+            <p:cNvSpPr/>
+            <p:nvPr/>
+          </p:nvSpPr>
+          <p:spPr>
+            <a:xfrm rot="16200000">
+              <a:off x="7381473" y="1414412"/>
+              <a:ext cx="2240280" cy="1453896"/>
+            </a:xfrm>
+            <a:prstGeom prst="trapezoid">
+              <a:avLst/>
+            </a:prstGeom>
+            <a:ln>
+              <a:solidFill>
+                <a:schemeClr val="tx1"/>
+              </a:solidFill>
+            </a:ln>
+          </p:spPr>
+          <p:style>
+            <a:lnRef idx="2">
+              <a:schemeClr val="accent1">
+                <a:shade val="15000"/>
+              </a:schemeClr>
+            </a:lnRef>
+            <a:fillRef idx="1">
+              <a:schemeClr val="accent1"/>
+            </a:fillRef>
+            <a:effectRef idx="0">
+              <a:schemeClr val="accent1"/>
+            </a:effectRef>
+            <a:fontRef idx="minor">
+              <a:schemeClr val="lt1"/>
+            </a:fontRef>
+          </p:style>
+          <p:txBody>
+            <a:bodyPr vert="vert" rtlCol="0" anchor="ctr"/>
+            <a:lstStyle/>
+            <a:p>
+              <a:pPr algn="ctr"/>
+              <a:endParaRPr lang="en-US" dirty="0"/>
+            </a:p>
+          </p:txBody>
+        </p:sp>
+        <p:sp>
+          <p:nvSpPr>
+            <p:cNvPr id="26" name="Rectangle: Rounded Corners 25">
+              <a:extLst>
+                <a:ext uri="{FF2B5EF4-FFF2-40B4-BE49-F238E27FC236}">
+                  <a16:creationId xmlns:a16="http://schemas.microsoft.com/office/drawing/2014/main" id="{52899756-57DF-7358-24B3-DEDBADED085C}"/>
+                </a:ext>
+              </a:extLst>
+            </p:cNvPr>
+            <p:cNvSpPr/>
+            <p:nvPr/>
+          </p:nvSpPr>
+          <p:spPr>
+            <a:xfrm rot="10800000">
+              <a:off x="8752733" y="1129671"/>
+              <a:ext cx="408753" cy="2023371"/>
+            </a:xfrm>
+            <a:prstGeom prst="roundRect">
+              <a:avLst>
+                <a:gd name="adj" fmla="val 25417"/>
+              </a:avLst>
+            </a:prstGeom>
+            <a:solidFill>
+              <a:schemeClr val="accent1">
+                <a:lumMod val="20000"/>
+                <a:lumOff val="80000"/>
+              </a:schemeClr>
+            </a:solidFill>
+          </p:spPr>
+          <p:style>
+            <a:lnRef idx="2">
+              <a:schemeClr val="accent1">
+                <a:shade val="15000"/>
+              </a:schemeClr>
+            </a:lnRef>
+            <a:fillRef idx="1">
+              <a:schemeClr val="accent1"/>
+            </a:fillRef>
+            <a:effectRef idx="0">
+              <a:schemeClr val="accent1"/>
+            </a:effectRef>
+            <a:fontRef idx="minor">
+              <a:schemeClr val="lt1"/>
+            </a:fontRef>
+          </p:style>
+          <p:txBody>
+            <a:bodyPr rtlCol="0" anchor="ctr"/>
+            <a:lstStyle/>
+            <a:p>
+              <a:pPr algn="ctr"/>
+              <a:endParaRPr lang="en-US"/>
+            </a:p>
+          </p:txBody>
+        </p:sp>
+        <p:sp>
+          <p:nvSpPr>
+            <p:cNvPr id="27" name="Rectangle: Rounded Corners 26">
+              <a:extLst>
+                <a:ext uri="{FF2B5EF4-FFF2-40B4-BE49-F238E27FC236}">
+                  <a16:creationId xmlns:a16="http://schemas.microsoft.com/office/drawing/2014/main" id="{BFCB221B-57CC-9DEB-166D-4CD0B8130AA8}"/>
+                </a:ext>
+              </a:extLst>
+            </p:cNvPr>
+            <p:cNvSpPr/>
+            <p:nvPr/>
+          </p:nvSpPr>
+          <p:spPr>
+            <a:xfrm rot="10800000">
+              <a:off x="8312850" y="1341259"/>
+              <a:ext cx="408753" cy="1580276"/>
+            </a:xfrm>
+            <a:prstGeom prst="roundRect">
+              <a:avLst>
+                <a:gd name="adj" fmla="val 25417"/>
+              </a:avLst>
+            </a:prstGeom>
+            <a:solidFill>
+              <a:schemeClr val="accent1">
+                <a:lumMod val="20000"/>
+                <a:lumOff val="80000"/>
+              </a:schemeClr>
+            </a:solidFill>
+          </p:spPr>
+          <p:style>
+            <a:lnRef idx="2">
+              <a:schemeClr val="accent1">
+                <a:shade val="15000"/>
+              </a:schemeClr>
+            </a:lnRef>
+            <a:fillRef idx="1">
+              <a:schemeClr val="accent1"/>
+            </a:fillRef>
+            <a:effectRef idx="0">
+              <a:schemeClr val="accent1"/>
+            </a:effectRef>
+            <a:fontRef idx="minor">
+              <a:schemeClr val="lt1"/>
+            </a:fontRef>
+          </p:style>
+          <p:txBody>
+            <a:bodyPr rtlCol="0" anchor="ctr"/>
+            <a:lstStyle/>
+            <a:p>
+              <a:pPr algn="ctr"/>
+              <a:endParaRPr lang="en-US"/>
+            </a:p>
+          </p:txBody>
+        </p:sp>
+        <p:sp>
+          <p:nvSpPr>
+            <p:cNvPr id="28" name="Rectangle: Rounded Corners 27">
+              <a:extLst>
+                <a:ext uri="{FF2B5EF4-FFF2-40B4-BE49-F238E27FC236}">
+                  <a16:creationId xmlns:a16="http://schemas.microsoft.com/office/drawing/2014/main" id="{C8332A9D-066E-7D4F-D2D6-1F8188FF3F70}"/>
+                </a:ext>
+              </a:extLst>
+            </p:cNvPr>
+            <p:cNvSpPr/>
+            <p:nvPr/>
+          </p:nvSpPr>
+          <p:spPr>
+            <a:xfrm rot="10800000">
+              <a:off x="7875369" y="1513509"/>
+              <a:ext cx="408753" cy="1249003"/>
+            </a:xfrm>
+            <a:prstGeom prst="roundRect">
+              <a:avLst>
+                <a:gd name="adj" fmla="val 25417"/>
+              </a:avLst>
+            </a:prstGeom>
+            <a:solidFill>
+              <a:schemeClr val="accent1">
+                <a:lumMod val="20000"/>
+                <a:lumOff val="80000"/>
+              </a:schemeClr>
+            </a:solidFill>
+          </p:spPr>
+          <p:style>
+            <a:lnRef idx="2">
+              <a:schemeClr val="accent1">
+                <a:shade val="15000"/>
+              </a:schemeClr>
+            </a:lnRef>
+            <a:fillRef idx="1">
+              <a:schemeClr val="accent1"/>
+            </a:fillRef>
+            <a:effectRef idx="0">
+              <a:schemeClr val="accent1"/>
+            </a:effectRef>
+            <a:fontRef idx="minor">
+              <a:schemeClr val="lt1"/>
+            </a:fontRef>
+          </p:style>
+          <p:txBody>
+            <a:bodyPr rtlCol="0" anchor="ctr"/>
+            <a:lstStyle/>
+            <a:p>
+              <a:pPr algn="ctr"/>
+              <a:endParaRPr lang="en-US"/>
+            </a:p>
+          </p:txBody>
+        </p:sp>
+      </p:grpSp>
+      <p:sp>
+        <p:nvSpPr>
+          <p:cNvPr id="7" name="Trapezoid 6">
+            <a:extLst>
+              <a:ext uri="{FF2B5EF4-FFF2-40B4-BE49-F238E27FC236}">
+                <a16:creationId xmlns:a16="http://schemas.microsoft.com/office/drawing/2014/main" id="{8F31FDA7-C0E2-EDDC-10B4-5ED48A0E0DE4}"/>
+              </a:ext>
+            </a:extLst>
+          </p:cNvPr>
+          <p:cNvSpPr/>
+          <p:nvPr/>
+        </p:nvSpPr>
+        <p:spPr>
+          <a:xfrm rot="5400000">
+            <a:off x="4546833" y="1414411"/>
+            <a:ext cx="2240280" cy="1453896"/>
+          </a:xfrm>
+          <a:prstGeom prst="trapezoid">
+            <a:avLst/>
+          </a:prstGeom>
+          <a:ln>
+            <a:solidFill>
+              <a:schemeClr val="tx1"/>
+            </a:solidFill>
+          </a:ln>
+        </p:spPr>
+        <p:style>
+          <a:lnRef idx="2">
+            <a:schemeClr val="accent1">
+              <a:shade val="15000"/>
+            </a:schemeClr>
+          </a:lnRef>
+          <a:fillRef idx="1">
+            <a:schemeClr val="accent1"/>
+          </a:fillRef>
+          <a:effectRef idx="0">
+            <a:schemeClr val="accent1"/>
+          </a:effectRef>
+          <a:fontRef idx="minor">
+            <a:schemeClr val="lt1"/>
+          </a:fontRef>
+        </p:style>
+        <p:txBody>
+          <a:bodyPr vert="vert270" rtlCol="0" anchor="ctr"/>
+          <a:lstStyle/>
+          <a:p>
+            <a:pPr algn="ctr"/>
+            <a:endParaRPr lang="en-US" dirty="0"/>
+          </a:p>
+        </p:txBody>
+      </p:sp>
+      <p:cxnSp>
+        <p:nvCxnSpPr>
+          <p:cNvPr id="93" name="Straight Connector 92">
+            <a:extLst>
+              <a:ext uri="{FF2B5EF4-FFF2-40B4-BE49-F238E27FC236}">
+                <a16:creationId xmlns:a16="http://schemas.microsoft.com/office/drawing/2014/main" id="{753A13F2-E40F-8433-9F60-BB7FEAE55C46}"/>
+              </a:ext>
+            </a:extLst>
+          </p:cNvPr>
+          <p:cNvCxnSpPr>
+            <a:cxnSpLocks/>
+            <a:stCxn id="26" idx="0"/>
+            <a:endCxn id="86" idx="1"/>
+          </p:cNvCxnSpPr>
+          <p:nvPr/>
+        </p:nvCxnSpPr>
+        <p:spPr>
+          <a:xfrm flipH="1">
+            <a:off x="6876132" y="3153041"/>
+            <a:ext cx="1352552" cy="933850"/>
+          </a:xfrm>
+          <a:prstGeom prst="line">
+            <a:avLst/>
+          </a:prstGeom>
+          <a:ln w="28575">
+            <a:solidFill>
+              <a:schemeClr val="tx1"/>
+            </a:solidFill>
+          </a:ln>
+        </p:spPr>
+        <p:style>
+          <a:lnRef idx="1">
+            <a:schemeClr val="accent1"/>
+          </a:lnRef>
+          <a:fillRef idx="0">
+            <a:schemeClr val="accent1"/>
+          </a:fillRef>
+          <a:effectRef idx="0">
+            <a:schemeClr val="accent1"/>
+          </a:effectRef>
+          <a:fontRef idx="minor">
+            <a:schemeClr val="tx1"/>
+          </a:fontRef>
+        </p:style>
+      </p:cxnSp>
+      <p:cxnSp>
+        <p:nvCxnSpPr>
+          <p:cNvPr id="96" name="Straight Connector 95">
+            <a:extLst>
+              <a:ext uri="{FF2B5EF4-FFF2-40B4-BE49-F238E27FC236}">
+                <a16:creationId xmlns:a16="http://schemas.microsoft.com/office/drawing/2014/main" id="{C59881AD-987D-DE63-ED5A-46BC2D1C5883}"/>
+              </a:ext>
+            </a:extLst>
+          </p:cNvPr>
+          <p:cNvCxnSpPr>
+            <a:cxnSpLocks/>
+            <a:stCxn id="26" idx="0"/>
+            <a:endCxn id="86" idx="3"/>
+          </p:cNvCxnSpPr>
+          <p:nvPr/>
+        </p:nvCxnSpPr>
+        <p:spPr>
+          <a:xfrm>
+            <a:off x="8228684" y="3153041"/>
+            <a:ext cx="948983" cy="933850"/>
+          </a:xfrm>
+          <a:prstGeom prst="line">
+            <a:avLst/>
+          </a:prstGeom>
+          <a:ln w="28575">
+            <a:solidFill>
+              <a:schemeClr val="tx1"/>
+            </a:solidFill>
+          </a:ln>
+        </p:spPr>
+        <p:style>
+          <a:lnRef idx="1">
+            <a:schemeClr val="accent1"/>
+          </a:lnRef>
+          <a:fillRef idx="0">
+            <a:schemeClr val="accent1"/>
+          </a:fillRef>
+          <a:effectRef idx="0">
+            <a:schemeClr val="accent1"/>
+          </a:effectRef>
+          <a:fontRef idx="minor">
+            <a:schemeClr val="tx1"/>
+          </a:fontRef>
+        </p:style>
+      </p:cxnSp>
+      <p:cxnSp>
+        <p:nvCxnSpPr>
+          <p:cNvPr id="54" name="Straight Connector 53">
+            <a:extLst>
+              <a:ext uri="{FF2B5EF4-FFF2-40B4-BE49-F238E27FC236}">
+                <a16:creationId xmlns:a16="http://schemas.microsoft.com/office/drawing/2014/main" id="{FC7C729D-4D07-55E6-E100-273F8361E3BB}"/>
+              </a:ext>
+            </a:extLst>
+          </p:cNvPr>
+          <p:cNvCxnSpPr>
+            <a:cxnSpLocks/>
+            <a:stCxn id="18" idx="0"/>
+            <a:endCxn id="56" idx="1"/>
+          </p:cNvCxnSpPr>
+          <p:nvPr/>
+        </p:nvCxnSpPr>
+        <p:spPr>
+          <a:xfrm flipH="1">
+            <a:off x="4271215" y="3153042"/>
+            <a:ext cx="946391" cy="933849"/>
+          </a:xfrm>
+          <a:prstGeom prst="line">
+            <a:avLst/>
+          </a:prstGeom>
+          <a:ln w="28575">
+            <a:solidFill>
+              <a:schemeClr val="tx1"/>
+            </a:solidFill>
+          </a:ln>
+        </p:spPr>
+        <p:style>
+          <a:lnRef idx="1">
+            <a:schemeClr val="accent1"/>
+          </a:lnRef>
+          <a:fillRef idx="0">
+            <a:schemeClr val="accent1"/>
+          </a:fillRef>
+          <a:effectRef idx="0">
+            <a:schemeClr val="accent1"/>
+          </a:effectRef>
+          <a:fontRef idx="minor">
+            <a:schemeClr val="tx1"/>
+          </a:fontRef>
+        </p:style>
+      </p:cxnSp>
+      <p:cxnSp>
+        <p:nvCxnSpPr>
+          <p:cNvPr id="55" name="Straight Connector 54">
+            <a:extLst>
+              <a:ext uri="{FF2B5EF4-FFF2-40B4-BE49-F238E27FC236}">
+                <a16:creationId xmlns:a16="http://schemas.microsoft.com/office/drawing/2014/main" id="{82231921-4238-03E8-3729-CDD84F4F5244}"/>
+              </a:ext>
+            </a:extLst>
+          </p:cNvPr>
+          <p:cNvCxnSpPr>
+            <a:cxnSpLocks/>
+            <a:stCxn id="18" idx="0"/>
+            <a:endCxn id="56" idx="3"/>
+          </p:cNvCxnSpPr>
+          <p:nvPr/>
+        </p:nvCxnSpPr>
+        <p:spPr>
+          <a:xfrm>
+            <a:off x="5217606" y="3153042"/>
+            <a:ext cx="1355144" cy="933849"/>
+          </a:xfrm>
+          <a:prstGeom prst="line">
+            <a:avLst/>
+          </a:prstGeom>
+          <a:ln w="28575">
+            <a:solidFill>
+              <a:schemeClr val="tx1"/>
+            </a:solidFill>
+          </a:ln>
+        </p:spPr>
+        <p:style>
+          <a:lnRef idx="1">
+            <a:schemeClr val="accent1"/>
+          </a:lnRef>
+          <a:fillRef idx="0">
+            <a:schemeClr val="accent1"/>
+          </a:fillRef>
+          <a:effectRef idx="0">
+            <a:schemeClr val="accent1"/>
+          </a:effectRef>
+          <a:fontRef idx="minor">
+            <a:schemeClr val="tx1"/>
+          </a:fontRef>
+        </p:style>
+      </p:cxnSp>
+      <mc:AlternateContent xmlns:mc="http://schemas.openxmlformats.org/markup-compatibility/2006">
+        <mc:Choice xmlns:a14="http://schemas.microsoft.com/office/drawing/2010/main" Requires="a14">
+          <p:sp>
+            <p:nvSpPr>
+              <p:cNvPr id="11" name="Rectangle 10">
+                <a:extLst>
+                  <a:ext uri="{FF2B5EF4-FFF2-40B4-BE49-F238E27FC236}">
+                    <a16:creationId xmlns:a16="http://schemas.microsoft.com/office/drawing/2014/main" id="{728A3F19-155F-8037-9022-CA4DD40C7561}"/>
+                  </a:ext>
+                </a:extLst>
+              </p:cNvPr>
+              <p:cNvSpPr/>
+              <p:nvPr/>
+            </p:nvSpPr>
+            <p:spPr>
+              <a:xfrm>
+                <a:off x="8697272" y="1021219"/>
+                <a:ext cx="725424" cy="2240280"/>
+              </a:xfrm>
+              <a:prstGeom prst="rect">
+                <a:avLst/>
+              </a:prstGeom>
+              <a:solidFill>
+                <a:srgbClr val="7030A0"/>
+              </a:solidFill>
+              <a:ln>
+                <a:solidFill>
+                  <a:schemeClr val="tx1"/>
+                </a:solidFill>
+              </a:ln>
+            </p:spPr>
+            <p:style>
+              <a:lnRef idx="2">
+                <a:schemeClr val="accent1">
+                  <a:shade val="15000"/>
+                </a:schemeClr>
+              </a:lnRef>
+              <a:fillRef idx="1">
+                <a:schemeClr val="accent1"/>
+              </a:fillRef>
+              <a:effectRef idx="0">
+                <a:schemeClr val="accent1"/>
+              </a:effectRef>
+              <a:fontRef idx="minor">
+                <a:schemeClr val="lt1"/>
+              </a:fontRef>
+            </p:style>
+            <p:txBody>
+              <a:bodyPr rtlCol="0" anchor="ctr"/>
+              <a:lstStyle/>
+              <a:p>
+                <a:pPr algn="ctr"/>
+                <a14:m>
+                  <m:oMathPara xmlns:m="http://schemas.openxmlformats.org/officeDocument/2006/math">
+                    <m:oMathParaPr>
+                      <m:jc m:val="centerGroup"/>
+                    </m:oMathParaPr>
+                    <m:oMath xmlns:m="http://schemas.openxmlformats.org/officeDocument/2006/math">
+                      <m:acc>
+                        <m:accPr>
+                          <m:chr m:val="̂"/>
+                          <m:ctrlPr>
+                            <a:rPr lang="en-US" b="1" i="1" smtClean="0">
+                              <a:latin typeface="Cambria Math" panose="02040503050406030204" pitchFamily="18" charset="0"/>
+                            </a:rPr>
+                          </m:ctrlPr>
+                        </m:accPr>
+                        <m:e>
+                          <m:r>
+                            <a:rPr lang="en-US" b="1" i="1" smtClean="0">
+                              <a:latin typeface="Cambria Math" panose="02040503050406030204" pitchFamily="18" charset="0"/>
+                            </a:rPr>
+                            <m:t>𝝃</m:t>
+                          </m:r>
+                        </m:e>
+                      </m:acc>
+                    </m:oMath>
+                  </m:oMathPara>
+                </a14:m>
+                <a:endParaRPr lang="en-US" b="1" dirty="0"/>
+              </a:p>
+            </p:txBody>
+          </p:sp>
+        </mc:Choice>
+        <mc:Fallback>
+          <p:sp>
+            <p:nvSpPr>
+              <p:cNvPr id="11" name="Rectangle 10">
+                <a:extLst>
+                  <a:ext uri="{FF2B5EF4-FFF2-40B4-BE49-F238E27FC236}">
+                    <a16:creationId xmlns:a16="http://schemas.microsoft.com/office/drawing/2014/main" id="{728A3F19-155F-8037-9022-CA4DD40C7561}"/>
+                  </a:ext>
+                </a:extLst>
+              </p:cNvPr>
+              <p:cNvSpPr>
+                <a:spLocks noRot="1" noChangeAspect="1" noMove="1" noResize="1" noEditPoints="1" noAdjustHandles="1" noChangeArrowheads="1" noChangeShapeType="1" noTextEdit="1"/>
+              </p:cNvSpPr>
+              <p:nvPr/>
+            </p:nvSpPr>
+            <p:spPr>
+              <a:xfrm>
+                <a:off x="8697272" y="1021219"/>
+                <a:ext cx="725424" cy="2240280"/>
+              </a:xfrm>
+              <a:prstGeom prst="rect">
+                <a:avLst/>
+              </a:prstGeom>
+              <a:blipFill>
+                <a:blip r:embed="rId3"/>
+                <a:stretch>
+                  <a:fillRect r="-2479"/>
+                </a:stretch>
+              </a:blipFill>
+              <a:ln>
+                <a:solidFill>
+                  <a:schemeClr val="tx1"/>
+                </a:solidFill>
+              </a:ln>
+            </p:spPr>
+            <p:txBody>
+              <a:bodyPr/>
+              <a:lstStyle/>
+              <a:p>
+                <a:r>
+                  <a:rPr lang="en-US">
+                    <a:noFill/>
+                  </a:rPr>
+                  <a:t> </a:t>
+                </a:r>
+              </a:p>
+            </p:txBody>
+          </p:sp>
+        </mc:Fallback>
+      </mc:AlternateContent>
+      <mc:AlternateContent xmlns:mc="http://schemas.openxmlformats.org/markup-compatibility/2006">
+        <mc:Choice xmlns:a14="http://schemas.microsoft.com/office/drawing/2010/main" Requires="a14">
+          <p:sp>
+            <p:nvSpPr>
+              <p:cNvPr id="10" name="Rectangle 9">
+                <a:extLst>
+                  <a:ext uri="{FF2B5EF4-FFF2-40B4-BE49-F238E27FC236}">
+                    <a16:creationId xmlns:a16="http://schemas.microsoft.com/office/drawing/2014/main" id="{F489C394-286F-494C-F00E-E0365DAD9933}"/>
+                  </a:ext>
+                </a:extLst>
+              </p:cNvPr>
+              <p:cNvSpPr/>
+              <p:nvPr/>
+            </p:nvSpPr>
+            <p:spPr>
+              <a:xfrm>
+                <a:off x="3594399" y="1011256"/>
+                <a:ext cx="1144932" cy="2240280"/>
+              </a:xfrm>
+              <a:prstGeom prst="rect">
+                <a:avLst/>
+              </a:prstGeom>
+              <a:solidFill>
+                <a:srgbClr val="B889DB"/>
+              </a:solidFill>
+              <a:ln>
+                <a:solidFill>
+                  <a:schemeClr val="tx1"/>
+                </a:solidFill>
+              </a:ln>
+            </p:spPr>
+            <p:style>
+              <a:lnRef idx="2">
+                <a:schemeClr val="accent1">
+                  <a:shade val="15000"/>
+                </a:schemeClr>
+              </a:lnRef>
+              <a:fillRef idx="1">
+                <a:schemeClr val="accent1"/>
+              </a:fillRef>
+              <a:effectRef idx="0">
+                <a:schemeClr val="accent1"/>
+              </a:effectRef>
+              <a:fontRef idx="minor">
+                <a:schemeClr val="lt1"/>
+              </a:fontRef>
+            </p:style>
+            <p:txBody>
+              <a:bodyPr rtlCol="0" anchor="ctr"/>
+              <a:lstStyle/>
+              <a:p>
+                <a:pPr algn="ctr"/>
+                <a14:m>
+                  <m:oMathPara xmlns:m="http://schemas.openxmlformats.org/officeDocument/2006/math">
+                    <m:oMathParaPr>
+                      <m:jc m:val="centerGroup"/>
+                    </m:oMathParaPr>
+                    <m:oMath xmlns:m="http://schemas.openxmlformats.org/officeDocument/2006/math">
+                      <m:r>
+                        <a:rPr lang="en-US" b="1" i="1" smtClean="0">
+                          <a:latin typeface="Cambria Math" panose="02040503050406030204" pitchFamily="18" charset="0"/>
+                        </a:rPr>
+                        <m:t>𝝃</m:t>
+                      </m:r>
+                    </m:oMath>
+                  </m:oMathPara>
+                </a14:m>
+                <a:endParaRPr lang="en-US" b="1" dirty="0"/>
+              </a:p>
+            </p:txBody>
+          </p:sp>
+        </mc:Choice>
+        <mc:Fallback>
+          <p:sp>
+            <p:nvSpPr>
+              <p:cNvPr id="10" name="Rectangle 9">
+                <a:extLst>
+                  <a:ext uri="{FF2B5EF4-FFF2-40B4-BE49-F238E27FC236}">
+                    <a16:creationId xmlns:a16="http://schemas.microsoft.com/office/drawing/2014/main" id="{F489C394-286F-494C-F00E-E0365DAD9933}"/>
+                  </a:ext>
+                </a:extLst>
+              </p:cNvPr>
+              <p:cNvSpPr>
+                <a:spLocks noRot="1" noChangeAspect="1" noMove="1" noResize="1" noEditPoints="1" noAdjustHandles="1" noChangeArrowheads="1" noChangeShapeType="1" noTextEdit="1"/>
+              </p:cNvSpPr>
+              <p:nvPr/>
+            </p:nvSpPr>
+            <p:spPr>
+              <a:xfrm>
+                <a:off x="3594399" y="1011256"/>
+                <a:ext cx="1144932" cy="2240280"/>
+              </a:xfrm>
+              <a:prstGeom prst="rect">
+                <a:avLst/>
+              </a:prstGeom>
+              <a:blipFill>
+                <a:blip r:embed="rId4"/>
+                <a:stretch>
+                  <a:fillRect/>
+                </a:stretch>
+              </a:blipFill>
+              <a:ln>
+                <a:solidFill>
+                  <a:schemeClr val="tx1"/>
+                </a:solidFill>
+              </a:ln>
+            </p:spPr>
+            <p:txBody>
+              <a:bodyPr/>
+              <a:lstStyle/>
+              <a:p>
+                <a:r>
+                  <a:rPr lang="en-US">
+                    <a:noFill/>
+                  </a:rPr>
+                  <a:t> </a:t>
+                </a:r>
+              </a:p>
+            </p:txBody>
+          </p:sp>
+        </mc:Fallback>
+      </mc:AlternateContent>
+      <p:sp>
+        <p:nvSpPr>
+          <p:cNvPr id="18" name="Rectangle: Rounded Corners 17">
+            <a:extLst>
+              <a:ext uri="{FF2B5EF4-FFF2-40B4-BE49-F238E27FC236}">
+                <a16:creationId xmlns:a16="http://schemas.microsoft.com/office/drawing/2014/main" id="{A697A84C-D0DB-3F51-3D56-ABD45CE72C7B}"/>
+              </a:ext>
+            </a:extLst>
+          </p:cNvPr>
+          <p:cNvSpPr/>
+          <p:nvPr/>
+        </p:nvSpPr>
+        <p:spPr>
+          <a:xfrm rot="10800000">
+            <a:off x="5013230" y="1129671"/>
+            <a:ext cx="408753" cy="2023371"/>
+          </a:xfrm>
+          <a:prstGeom prst="roundRect">
+            <a:avLst>
+              <a:gd name="adj" fmla="val 25417"/>
+            </a:avLst>
+          </a:prstGeom>
+          <a:solidFill>
+            <a:schemeClr val="accent1">
+              <a:lumMod val="20000"/>
+              <a:lumOff val="80000"/>
+            </a:schemeClr>
+          </a:solidFill>
+        </p:spPr>
+        <p:style>
+          <a:lnRef idx="2">
+            <a:schemeClr val="accent1">
+              <a:shade val="15000"/>
+            </a:schemeClr>
+          </a:lnRef>
+          <a:fillRef idx="1">
+            <a:schemeClr val="accent1"/>
+          </a:fillRef>
+          <a:effectRef idx="0">
+            <a:schemeClr val="accent1"/>
+          </a:effectRef>
+          <a:fontRef idx="minor">
+            <a:schemeClr val="lt1"/>
+          </a:fontRef>
+        </p:style>
+        <p:txBody>
+          <a:bodyPr rtlCol="0" anchor="ctr"/>
+          <a:lstStyle/>
+          <a:p>
+            <a:pPr algn="ctr"/>
+            <a:endParaRPr lang="en-US"/>
+          </a:p>
+        </p:txBody>
+      </p:sp>
+      <p:sp>
+        <p:nvSpPr>
+          <p:cNvPr id="19" name="Rectangle: Rounded Corners 18">
+            <a:extLst>
+              <a:ext uri="{FF2B5EF4-FFF2-40B4-BE49-F238E27FC236}">
+                <a16:creationId xmlns:a16="http://schemas.microsoft.com/office/drawing/2014/main" id="{863B38D8-1F77-EF2B-8EFF-FB751D634D76}"/>
+              </a:ext>
+            </a:extLst>
+          </p:cNvPr>
+          <p:cNvSpPr/>
+          <p:nvPr/>
+        </p:nvSpPr>
+        <p:spPr>
+          <a:xfrm rot="10800000">
+            <a:off x="5462595" y="1351220"/>
+            <a:ext cx="408753" cy="1580276"/>
+          </a:xfrm>
+          <a:prstGeom prst="roundRect">
+            <a:avLst>
+              <a:gd name="adj" fmla="val 25417"/>
+            </a:avLst>
+          </a:prstGeom>
+          <a:solidFill>
+            <a:schemeClr val="accent1">
+              <a:lumMod val="20000"/>
+              <a:lumOff val="80000"/>
+            </a:schemeClr>
+          </a:solidFill>
+        </p:spPr>
+        <p:style>
+          <a:lnRef idx="2">
+            <a:schemeClr val="accent1">
+              <a:shade val="15000"/>
+            </a:schemeClr>
+          </a:lnRef>
+          <a:fillRef idx="1">
+            <a:schemeClr val="accent1"/>
+          </a:fillRef>
+          <a:effectRef idx="0">
+            <a:schemeClr val="accent1"/>
+          </a:effectRef>
+          <a:fontRef idx="minor">
+            <a:schemeClr val="lt1"/>
+          </a:fontRef>
+        </p:style>
+        <p:txBody>
+          <a:bodyPr rtlCol="0" anchor="ctr"/>
+          <a:lstStyle/>
+          <a:p>
+            <a:pPr algn="ctr"/>
+            <a:endParaRPr lang="en-US"/>
+          </a:p>
+        </p:txBody>
+      </p:sp>
+      <p:sp>
+        <p:nvSpPr>
+          <p:cNvPr id="25" name="Rectangle: Rounded Corners 24">
+            <a:extLst>
+              <a:ext uri="{FF2B5EF4-FFF2-40B4-BE49-F238E27FC236}">
+                <a16:creationId xmlns:a16="http://schemas.microsoft.com/office/drawing/2014/main" id="{9B2404DD-00CA-8D7D-0869-6C2F849E2A9D}"/>
+              </a:ext>
+            </a:extLst>
+          </p:cNvPr>
+          <p:cNvSpPr/>
+          <p:nvPr/>
+        </p:nvSpPr>
+        <p:spPr>
+          <a:xfrm rot="10800000">
+            <a:off x="5907978" y="1516856"/>
+            <a:ext cx="408753" cy="1249003"/>
+          </a:xfrm>
+          <a:prstGeom prst="roundRect">
+            <a:avLst>
+              <a:gd name="adj" fmla="val 25417"/>
+            </a:avLst>
+          </a:prstGeom>
+          <a:solidFill>
+            <a:schemeClr val="accent1">
+              <a:lumMod val="20000"/>
+              <a:lumOff val="80000"/>
+            </a:schemeClr>
+          </a:solidFill>
+        </p:spPr>
+        <p:style>
+          <a:lnRef idx="2">
+            <a:schemeClr val="accent1">
+              <a:shade val="15000"/>
+            </a:schemeClr>
+          </a:lnRef>
+          <a:fillRef idx="1">
+            <a:schemeClr val="accent1"/>
+          </a:fillRef>
+          <a:effectRef idx="0">
+            <a:schemeClr val="accent1"/>
+          </a:effectRef>
+          <a:fontRef idx="minor">
+            <a:schemeClr val="lt1"/>
+          </a:fontRef>
+        </p:style>
+        <p:txBody>
+          <a:bodyPr rtlCol="0" anchor="ctr"/>
+          <a:lstStyle/>
+          <a:p>
+            <a:pPr algn="ctr"/>
+            <a:endParaRPr lang="en-US"/>
+          </a:p>
+        </p:txBody>
+      </p:sp>
+      <p:sp>
+        <p:nvSpPr>
+          <p:cNvPr id="69" name="TextBox 68">
+            <a:extLst>
+              <a:ext uri="{FF2B5EF4-FFF2-40B4-BE49-F238E27FC236}">
+                <a16:creationId xmlns:a16="http://schemas.microsoft.com/office/drawing/2014/main" id="{3F2C2020-E4EB-14E0-4F9B-C394827F8B75}"/>
+              </a:ext>
+            </a:extLst>
+          </p:cNvPr>
+          <p:cNvSpPr txBox="1"/>
+          <p:nvPr/>
+        </p:nvSpPr>
+        <p:spPr>
+          <a:xfrm rot="20653086">
+            <a:off x="5246427" y="2932923"/>
+            <a:ext cx="1453896" cy="369332"/>
+          </a:xfrm>
+          <a:prstGeom prst="rect">
+            <a:avLst/>
+          </a:prstGeom>
+          <a:noFill/>
+        </p:spPr>
+        <p:txBody>
+          <a:bodyPr wrap="square" rtlCol="0">
+            <a:spAutoFit/>
+          </a:bodyPr>
+          <a:lstStyle/>
+          <a:p>
+            <a:pPr algn="ctr"/>
+            <a:r>
+              <a:rPr lang="en-US" dirty="0"/>
+              <a:t>Encoder</a:t>
+            </a:r>
+          </a:p>
+        </p:txBody>
+      </p:sp>
+      <p:sp>
+        <p:nvSpPr>
+          <p:cNvPr id="70" name="TextBox 69">
+            <a:extLst>
+              <a:ext uri="{FF2B5EF4-FFF2-40B4-BE49-F238E27FC236}">
+                <a16:creationId xmlns:a16="http://schemas.microsoft.com/office/drawing/2014/main" id="{E1E8906F-74AF-11A0-8B37-581878A3D8BC}"/>
+              </a:ext>
+            </a:extLst>
+          </p:cNvPr>
+          <p:cNvSpPr txBox="1"/>
+          <p:nvPr/>
+        </p:nvSpPr>
+        <p:spPr>
+          <a:xfrm rot="920035">
+            <a:off x="6811340" y="2961958"/>
+            <a:ext cx="1453895" cy="369332"/>
+          </a:xfrm>
+          <a:prstGeom prst="rect">
+            <a:avLst/>
+          </a:prstGeom>
+          <a:noFill/>
+        </p:spPr>
+        <p:txBody>
+          <a:bodyPr wrap="square" rtlCol="0">
+            <a:spAutoFit/>
+          </a:bodyPr>
+          <a:lstStyle/>
+          <a:p>
+            <a:pPr algn="ctr"/>
+            <a:r>
+              <a:rPr lang="en-US" dirty="0"/>
+              <a:t>Decoder</a:t>
+            </a:r>
+          </a:p>
+        </p:txBody>
+      </p:sp>
+      <p:grpSp>
+        <p:nvGrpSpPr>
+          <p:cNvPr id="41" name="Group 40">
+            <a:extLst>
+              <a:ext uri="{FF2B5EF4-FFF2-40B4-BE49-F238E27FC236}">
+                <a16:creationId xmlns:a16="http://schemas.microsoft.com/office/drawing/2014/main" id="{5717E442-9095-EFF2-826F-DCA863720AB5}"/>
+              </a:ext>
+            </a:extLst>
+          </p:cNvPr>
+          <p:cNvGrpSpPr/>
+          <p:nvPr/>
+        </p:nvGrpSpPr>
+        <p:grpSpPr>
+          <a:xfrm>
+            <a:off x="6566160" y="1381705"/>
+            <a:ext cx="309972" cy="1512610"/>
+            <a:chOff x="6942120" y="1384319"/>
+            <a:chExt cx="309972" cy="1512610"/>
+          </a:xfrm>
+        </p:grpSpPr>
+        <p:sp>
+          <p:nvSpPr>
+            <p:cNvPr id="71" name="Rectangle 70">
+              <a:extLst>
+                <a:ext uri="{FF2B5EF4-FFF2-40B4-BE49-F238E27FC236}">
+                  <a16:creationId xmlns:a16="http://schemas.microsoft.com/office/drawing/2014/main" id="{3AC1D07E-99AD-F7CD-5C91-E79AC48BEAB8}"/>
+                </a:ext>
+              </a:extLst>
+            </p:cNvPr>
+            <p:cNvSpPr/>
+            <p:nvPr/>
+          </p:nvSpPr>
+          <p:spPr>
+            <a:xfrm>
+              <a:off x="6942120" y="1384319"/>
+              <a:ext cx="299955" cy="1512610"/>
+            </a:xfrm>
+            <a:prstGeom prst="rect">
+              <a:avLst/>
+            </a:prstGeom>
+            <a:solidFill>
+              <a:srgbClr val="DAC2EC"/>
+            </a:solidFill>
+          </p:spPr>
+          <p:style>
+            <a:lnRef idx="2">
+              <a:schemeClr val="accent1">
+                <a:shade val="15000"/>
+              </a:schemeClr>
+            </a:lnRef>
+            <a:fillRef idx="1">
+              <a:schemeClr val="accent1"/>
+            </a:fillRef>
+            <a:effectRef idx="0">
+              <a:schemeClr val="accent1"/>
+            </a:effectRef>
+            <a:fontRef idx="minor">
+              <a:schemeClr val="lt1"/>
+            </a:fontRef>
+          </p:style>
+          <p:txBody>
+            <a:bodyPr vert="vert270" rtlCol="0" anchor="ctr"/>
+            <a:lstStyle/>
+            <a:p>
+              <a:pPr algn="ctr"/>
+              <a:endParaRPr lang="en-US" dirty="0"/>
+            </a:p>
+          </p:txBody>
+        </p:sp>
+        <mc:AlternateContent xmlns:mc="http://schemas.openxmlformats.org/markup-compatibility/2006">
+          <mc:Choice xmlns:a14="http://schemas.microsoft.com/office/drawing/2010/main" Requires="a14">
+            <p:sp>
+              <p:nvSpPr>
+                <p:cNvPr id="72" name="TextBox 71">
+                  <a:extLst>
+                    <a:ext uri="{FF2B5EF4-FFF2-40B4-BE49-F238E27FC236}">
+                      <a16:creationId xmlns:a16="http://schemas.microsoft.com/office/drawing/2014/main" id="{C032D263-4E6B-C2A7-E673-0AB846F12AA9}"/>
+                    </a:ext>
+                  </a:extLst>
+                </p:cNvPr>
+                <p:cNvSpPr txBox="1"/>
+                <p:nvPr/>
+              </p:nvSpPr>
+              <p:spPr>
+                <a:xfrm>
+                  <a:off x="6952136" y="1955018"/>
+                  <a:ext cx="299956" cy="369332"/>
+                </a:xfrm>
+                <a:prstGeom prst="rect">
+                  <a:avLst/>
+                </a:prstGeom>
+                <a:noFill/>
+              </p:spPr>
+              <p:txBody>
+                <a:bodyPr wrap="square" rtlCol="0">
+                  <a:spAutoFit/>
+                </a:bodyPr>
+                <a:lstStyle/>
+                <a:p>
+                  <a:pPr algn="ctr"/>
+                  <a14:m>
+                    <m:oMathPara xmlns:m="http://schemas.openxmlformats.org/officeDocument/2006/math">
+                      <m:oMathParaPr>
+                        <m:jc m:val="centerGroup"/>
+                      </m:oMathParaPr>
+                      <m:oMath xmlns:m="http://schemas.openxmlformats.org/officeDocument/2006/math">
+                        <m:r>
+                          <a:rPr lang="en-US" b="1" i="1" smtClean="0">
+                            <a:solidFill>
+                              <a:schemeClr val="bg1"/>
+                            </a:solidFill>
+                            <a:latin typeface="Cambria Math" panose="02040503050406030204" pitchFamily="18" charset="0"/>
+                          </a:rPr>
+                          <m:t>𝒛</m:t>
+                        </m:r>
+                      </m:oMath>
+                    </m:oMathPara>
+                  </a14:m>
+                  <a:endParaRPr lang="en-US" b="1" dirty="0">
+                    <a:solidFill>
+                      <a:schemeClr val="bg1"/>
+                    </a:solidFill>
+                  </a:endParaRPr>
+                </a:p>
+              </p:txBody>
+            </p:sp>
+          </mc:Choice>
+          <mc:Fallback>
+            <p:sp>
+              <p:nvSpPr>
+                <p:cNvPr id="72" name="TextBox 71">
+                  <a:extLst>
+                    <a:ext uri="{FF2B5EF4-FFF2-40B4-BE49-F238E27FC236}">
+                      <a16:creationId xmlns:a16="http://schemas.microsoft.com/office/drawing/2014/main" id="{C032D263-4E6B-C2A7-E673-0AB846F12AA9}"/>
+                    </a:ext>
+                  </a:extLst>
+                </p:cNvPr>
+                <p:cNvSpPr txBox="1">
+                  <a:spLocks noRot="1" noChangeAspect="1" noMove="1" noResize="1" noEditPoints="1" noAdjustHandles="1" noChangeArrowheads="1" noChangeShapeType="1" noTextEdit="1"/>
+                </p:cNvSpPr>
+                <p:nvPr/>
+              </p:nvSpPr>
+              <p:spPr>
+                <a:xfrm>
+                  <a:off x="6952136" y="1955018"/>
+                  <a:ext cx="299956" cy="369332"/>
+                </a:xfrm>
+                <a:prstGeom prst="rect">
+                  <a:avLst/>
+                </a:prstGeom>
+                <a:blipFill>
+                  <a:blip r:embed="rId5"/>
+                  <a:stretch>
+                    <a:fillRect/>
+                  </a:stretch>
+                </a:blipFill>
+              </p:spPr>
+              <p:txBody>
+                <a:bodyPr/>
+                <a:lstStyle/>
+                <a:p>
+                  <a:r>
+                    <a:rPr lang="en-US">
+                      <a:noFill/>
+                    </a:rPr>
+                    <a:t> </a:t>
+                  </a:r>
+                </a:p>
+              </p:txBody>
+            </p:sp>
+          </mc:Fallback>
+        </mc:AlternateContent>
+      </p:grpSp>
+      <p:cxnSp>
+        <p:nvCxnSpPr>
+          <p:cNvPr id="77" name="Connector: Elbow 76">
+            <a:extLst>
+              <a:ext uri="{FF2B5EF4-FFF2-40B4-BE49-F238E27FC236}">
+                <a16:creationId xmlns:a16="http://schemas.microsoft.com/office/drawing/2014/main" id="{F77E931E-DAA3-31D4-C904-4AAF9B19066E}"/>
+              </a:ext>
+            </a:extLst>
+          </p:cNvPr>
+          <p:cNvCxnSpPr>
+            <a:stCxn id="25" idx="2"/>
+            <a:endCxn id="28" idx="2"/>
+          </p:cNvCxnSpPr>
+          <p:nvPr/>
+        </p:nvCxnSpPr>
+        <p:spPr>
+          <a:xfrm rot="5400000" flipH="1" flipV="1">
+            <a:off x="6730163" y="895699"/>
+            <a:ext cx="3348" cy="1238966"/>
+          </a:xfrm>
+          <a:prstGeom prst="bentConnector3">
+            <a:avLst>
+              <a:gd name="adj1" fmla="val 6927957"/>
+            </a:avLst>
+          </a:prstGeom>
+          <a:ln w="38100">
+            <a:solidFill>
+              <a:schemeClr val="tx1"/>
+            </a:solidFill>
+            <a:prstDash val="sysDash"/>
+            <a:tailEnd type="triangle"/>
+          </a:ln>
+        </p:spPr>
+        <p:style>
+          <a:lnRef idx="1">
+            <a:schemeClr val="accent6"/>
+          </a:lnRef>
+          <a:fillRef idx="0">
+            <a:schemeClr val="accent6"/>
+          </a:fillRef>
+          <a:effectRef idx="0">
+            <a:schemeClr val="accent6"/>
+          </a:effectRef>
+          <a:fontRef idx="minor">
+            <a:schemeClr val="tx1"/>
+          </a:fontRef>
+        </p:style>
+      </p:cxnSp>
+      <p:cxnSp>
+        <p:nvCxnSpPr>
+          <p:cNvPr id="79" name="Connector: Elbow 78">
+            <a:extLst>
+              <a:ext uri="{FF2B5EF4-FFF2-40B4-BE49-F238E27FC236}">
+                <a16:creationId xmlns:a16="http://schemas.microsoft.com/office/drawing/2014/main" id="{CEC7E00C-6908-AB4A-035A-69A72D3049E9}"/>
+              </a:ext>
+            </a:extLst>
+          </p:cNvPr>
+          <p:cNvCxnSpPr>
+            <a:cxnSpLocks/>
+            <a:stCxn id="19" idx="2"/>
+            <a:endCxn id="27" idx="2"/>
+          </p:cNvCxnSpPr>
+          <p:nvPr/>
+        </p:nvCxnSpPr>
+        <p:spPr>
+          <a:xfrm rot="5400000" flipH="1" flipV="1">
+            <a:off x="6722905" y="285324"/>
+            <a:ext cx="9962" cy="2121830"/>
+          </a:xfrm>
+          <a:prstGeom prst="bentConnector3">
+            <a:avLst>
+              <a:gd name="adj1" fmla="val 2394720"/>
+            </a:avLst>
+          </a:prstGeom>
+          <a:ln w="38100">
+            <a:solidFill>
+              <a:schemeClr val="tx1"/>
+            </a:solidFill>
+            <a:prstDash val="sysDash"/>
+            <a:tailEnd type="triangle"/>
+          </a:ln>
+        </p:spPr>
+        <p:style>
+          <a:lnRef idx="1">
+            <a:schemeClr val="accent6"/>
+          </a:lnRef>
+          <a:fillRef idx="0">
+            <a:schemeClr val="accent6"/>
+          </a:fillRef>
+          <a:effectRef idx="0">
+            <a:schemeClr val="accent6"/>
+          </a:effectRef>
+          <a:fontRef idx="minor">
+            <a:schemeClr val="tx1"/>
+          </a:fontRef>
+        </p:style>
+      </p:cxnSp>
+      <p:cxnSp>
+        <p:nvCxnSpPr>
+          <p:cNvPr id="83" name="Connector: Elbow 82">
+            <a:extLst>
+              <a:ext uri="{FF2B5EF4-FFF2-40B4-BE49-F238E27FC236}">
+                <a16:creationId xmlns:a16="http://schemas.microsoft.com/office/drawing/2014/main" id="{1A1FEC5C-EDA0-04C9-6A8D-D2C8F58324A0}"/>
+              </a:ext>
+            </a:extLst>
+          </p:cNvPr>
+          <p:cNvCxnSpPr>
+            <a:cxnSpLocks/>
+            <a:stCxn id="18" idx="2"/>
+            <a:endCxn id="26" idx="2"/>
+          </p:cNvCxnSpPr>
+          <p:nvPr/>
+        </p:nvCxnSpPr>
+        <p:spPr>
+          <a:xfrm rot="5400000" flipH="1" flipV="1">
+            <a:off x="6723145" y="-375868"/>
+            <a:ext cx="1" cy="3011078"/>
+          </a:xfrm>
+          <a:prstGeom prst="bentConnector3">
+            <a:avLst>
+              <a:gd name="adj1" fmla="val 22860100000"/>
+            </a:avLst>
+          </a:prstGeom>
+          <a:ln w="38100">
+            <a:solidFill>
+              <a:schemeClr val="tx1"/>
+            </a:solidFill>
+            <a:prstDash val="sysDash"/>
+            <a:tailEnd type="triangle"/>
+          </a:ln>
+        </p:spPr>
+        <p:style>
+          <a:lnRef idx="1">
+            <a:schemeClr val="accent6"/>
+          </a:lnRef>
+          <a:fillRef idx="0">
+            <a:schemeClr val="accent6"/>
+          </a:fillRef>
+          <a:effectRef idx="0">
+            <a:schemeClr val="accent6"/>
+          </a:effectRef>
+          <a:fontRef idx="minor">
+            <a:schemeClr val="tx1"/>
+          </a:fontRef>
+        </p:style>
+      </p:cxnSp>
+      <p:sp>
+        <p:nvSpPr>
+          <p:cNvPr id="87" name="TextBox 86">
+            <a:extLst>
+              <a:ext uri="{FF2B5EF4-FFF2-40B4-BE49-F238E27FC236}">
+                <a16:creationId xmlns:a16="http://schemas.microsoft.com/office/drawing/2014/main" id="{53B30BC5-8631-8712-FCC9-78F1A7B89962}"/>
+              </a:ext>
+            </a:extLst>
+          </p:cNvPr>
+          <p:cNvSpPr txBox="1"/>
+          <p:nvPr/>
+        </p:nvSpPr>
+        <p:spPr>
+          <a:xfrm>
+            <a:off x="5387958" y="497253"/>
+            <a:ext cx="2656357" cy="369332"/>
+          </a:xfrm>
+          <a:prstGeom prst="rect">
+            <a:avLst/>
+          </a:prstGeom>
+          <a:noFill/>
+        </p:spPr>
+        <p:txBody>
+          <a:bodyPr wrap="square" rtlCol="0">
+            <a:spAutoFit/>
+          </a:bodyPr>
+          <a:lstStyle/>
+          <a:p>
+            <a:pPr algn="ctr"/>
+            <a:r>
+              <a:rPr lang="en-US" dirty="0"/>
+              <a:t>Residual concatenation</a:t>
+            </a:r>
+          </a:p>
+        </p:txBody>
+      </p:sp>
+      <p:grpSp>
+        <p:nvGrpSpPr>
+          <p:cNvPr id="84" name="Group 83">
+            <a:extLst>
+              <a:ext uri="{FF2B5EF4-FFF2-40B4-BE49-F238E27FC236}">
+                <a16:creationId xmlns:a16="http://schemas.microsoft.com/office/drawing/2014/main" id="{3F644393-5672-A27A-9D7E-4D900809B891}"/>
+              </a:ext>
+            </a:extLst>
+          </p:cNvPr>
+          <p:cNvGrpSpPr/>
+          <p:nvPr/>
+        </p:nvGrpSpPr>
+        <p:grpSpPr>
+          <a:xfrm>
+            <a:off x="4271215" y="3374591"/>
+            <a:ext cx="2301535" cy="1424600"/>
+            <a:chOff x="315090" y="2690441"/>
+            <a:chExt cx="2301535" cy="1424600"/>
+          </a:xfrm>
+        </p:grpSpPr>
+        <p:sp>
+          <p:nvSpPr>
+            <p:cNvPr id="56" name="Rectangle 55">
+              <a:extLst>
+                <a:ext uri="{FF2B5EF4-FFF2-40B4-BE49-F238E27FC236}">
+                  <a16:creationId xmlns:a16="http://schemas.microsoft.com/office/drawing/2014/main" id="{118EEA95-3068-56F0-E4BB-2FBEE5B38C1D}"/>
+                </a:ext>
+              </a:extLst>
+            </p:cNvPr>
+            <p:cNvSpPr/>
+            <p:nvPr/>
+          </p:nvSpPr>
+          <p:spPr>
+            <a:xfrm>
+              <a:off x="315090" y="2690441"/>
+              <a:ext cx="2301535" cy="1424600"/>
+            </a:xfrm>
+            <a:prstGeom prst="rect">
+              <a:avLst/>
+            </a:prstGeom>
+            <a:solidFill>
+              <a:schemeClr val="accent1">
+                <a:lumMod val="20000"/>
+                <a:lumOff val="80000"/>
+              </a:schemeClr>
+            </a:solidFill>
+          </p:spPr>
+          <p:style>
+            <a:lnRef idx="2">
+              <a:schemeClr val="accent1">
+                <a:shade val="15000"/>
+              </a:schemeClr>
+            </a:lnRef>
+            <a:fillRef idx="1">
+              <a:schemeClr val="accent1"/>
+            </a:fillRef>
+            <a:effectRef idx="0">
+              <a:schemeClr val="accent1"/>
+            </a:effectRef>
+            <a:fontRef idx="minor">
+              <a:schemeClr val="lt1"/>
+            </a:fontRef>
+          </p:style>
+          <p:txBody>
+            <a:bodyPr rtlCol="0" anchor="ctr"/>
+            <a:lstStyle/>
+            <a:p>
+              <a:pPr algn="ctr"/>
+              <a:endParaRPr lang="en-US"/>
+            </a:p>
+          </p:txBody>
+        </p:sp>
+        <p:sp>
+          <p:nvSpPr>
+            <p:cNvPr id="21" name="Flowchart: Alternate Process 20">
+              <a:extLst>
+                <a:ext uri="{FF2B5EF4-FFF2-40B4-BE49-F238E27FC236}">
+                  <a16:creationId xmlns:a16="http://schemas.microsoft.com/office/drawing/2014/main" id="{B71F87BA-0944-BFA1-4A42-C977E2F9F8DD}"/>
+                </a:ext>
+              </a:extLst>
+            </p:cNvPr>
+            <p:cNvSpPr/>
+            <p:nvPr/>
+          </p:nvSpPr>
+          <p:spPr>
+            <a:xfrm>
+              <a:off x="439287" y="2742171"/>
+              <a:ext cx="383815" cy="1333499"/>
+            </a:xfrm>
+            <a:prstGeom prst="flowChartAlternateProcess">
+              <a:avLst/>
+            </a:prstGeom>
+          </p:spPr>
+          <p:style>
+            <a:lnRef idx="2">
+              <a:schemeClr val="accent1">
+                <a:shade val="15000"/>
+              </a:schemeClr>
+            </a:lnRef>
+            <a:fillRef idx="1">
+              <a:schemeClr val="accent1"/>
+            </a:fillRef>
+            <a:effectRef idx="0">
+              <a:schemeClr val="accent1"/>
+            </a:effectRef>
+            <a:fontRef idx="minor">
+              <a:schemeClr val="lt1"/>
+            </a:fontRef>
+          </p:style>
+          <p:txBody>
+            <a:bodyPr vert="vert270" rtlCol="0" anchor="ctr"/>
+            <a:lstStyle/>
+            <a:p>
+              <a:pPr algn="ctr"/>
+              <a:r>
+                <a:rPr lang="en-US" dirty="0"/>
+                <a:t>Conv1D</a:t>
+              </a:r>
+            </a:p>
+          </p:txBody>
+        </p:sp>
+        <p:sp>
+          <p:nvSpPr>
+            <p:cNvPr id="23" name="Flowchart: Alternate Process 22">
+              <a:extLst>
+                <a:ext uri="{FF2B5EF4-FFF2-40B4-BE49-F238E27FC236}">
+                  <a16:creationId xmlns:a16="http://schemas.microsoft.com/office/drawing/2014/main" id="{E4ED5015-D40A-F736-C98C-834E74EC96EF}"/>
+                </a:ext>
+              </a:extLst>
+            </p:cNvPr>
+            <p:cNvSpPr/>
+            <p:nvPr/>
+          </p:nvSpPr>
+          <p:spPr>
+            <a:xfrm>
+              <a:off x="859732" y="2742171"/>
+              <a:ext cx="383814" cy="1333499"/>
+            </a:xfrm>
+            <a:prstGeom prst="flowChartAlternateProcess">
+              <a:avLst/>
+            </a:prstGeom>
+            <a:solidFill>
+              <a:schemeClr val="accent6">
+                <a:lumMod val="60000"/>
+                <a:lumOff val="40000"/>
+              </a:schemeClr>
+            </a:solidFill>
+          </p:spPr>
+          <p:style>
+            <a:lnRef idx="2">
+              <a:schemeClr val="accent1">
+                <a:shade val="15000"/>
+              </a:schemeClr>
+            </a:lnRef>
+            <a:fillRef idx="1">
+              <a:schemeClr val="accent1"/>
+            </a:fillRef>
+            <a:effectRef idx="0">
+              <a:schemeClr val="accent1"/>
+            </a:effectRef>
+            <a:fontRef idx="minor">
+              <a:schemeClr val="lt1"/>
+            </a:fontRef>
+          </p:style>
+          <p:txBody>
+            <a:bodyPr vert="vert270" rtlCol="0" anchor="ctr"/>
+            <a:lstStyle/>
+            <a:p>
+              <a:pPr algn="ctr"/>
+              <a:r>
+                <a:rPr lang="en-US" dirty="0"/>
+                <a:t>Batch Norm</a:t>
+              </a:r>
+            </a:p>
+          </p:txBody>
+        </p:sp>
+        <p:sp>
+          <p:nvSpPr>
+            <p:cNvPr id="24" name="Flowchart: Alternate Process 23">
+              <a:extLst>
+                <a:ext uri="{FF2B5EF4-FFF2-40B4-BE49-F238E27FC236}">
+                  <a16:creationId xmlns:a16="http://schemas.microsoft.com/office/drawing/2014/main" id="{4F59BE33-7B6C-233E-F6D5-36A092EC765F}"/>
+                </a:ext>
+              </a:extLst>
+            </p:cNvPr>
+            <p:cNvSpPr/>
+            <p:nvPr/>
+          </p:nvSpPr>
+          <p:spPr>
+            <a:xfrm>
+              <a:off x="1280176" y="2742169"/>
+              <a:ext cx="383814" cy="1333499"/>
+            </a:xfrm>
+            <a:prstGeom prst="flowChartAlternateProcess">
+              <a:avLst/>
+            </a:prstGeom>
+            <a:solidFill>
+              <a:schemeClr val="accent2">
+                <a:lumMod val="60000"/>
+                <a:lumOff val="40000"/>
+              </a:schemeClr>
+            </a:solidFill>
+          </p:spPr>
+          <p:style>
+            <a:lnRef idx="2">
+              <a:schemeClr val="accent1">
+                <a:shade val="15000"/>
+              </a:schemeClr>
+            </a:lnRef>
+            <a:fillRef idx="1">
+              <a:schemeClr val="accent1"/>
+            </a:fillRef>
+            <a:effectRef idx="0">
+              <a:schemeClr val="accent1"/>
+            </a:effectRef>
+            <a:fontRef idx="minor">
+              <a:schemeClr val="lt1"/>
+            </a:fontRef>
+          </p:style>
+          <p:txBody>
+            <a:bodyPr vert="vert270" rtlCol="0" anchor="ctr"/>
+            <a:lstStyle/>
+            <a:p>
+              <a:pPr algn="ctr"/>
+              <a:r>
+                <a:rPr lang="en-US" dirty="0" err="1"/>
+                <a:t>ReLU</a:t>
+              </a:r>
+              <a:endParaRPr lang="en-US" dirty="0"/>
+            </a:p>
+          </p:txBody>
+        </p:sp>
+        <p:sp>
+          <p:nvSpPr>
+            <p:cNvPr id="32" name="Flowchart: Alternate Process 31">
+              <a:extLst>
+                <a:ext uri="{FF2B5EF4-FFF2-40B4-BE49-F238E27FC236}">
+                  <a16:creationId xmlns:a16="http://schemas.microsoft.com/office/drawing/2014/main" id="{08BC8A89-3EBE-8020-03CB-171C26ED5079}"/>
+                </a:ext>
+              </a:extLst>
+            </p:cNvPr>
+            <p:cNvSpPr/>
+            <p:nvPr/>
+          </p:nvSpPr>
+          <p:spPr>
+            <a:xfrm>
+              <a:off x="2121064" y="2735992"/>
+              <a:ext cx="383814" cy="1333498"/>
+            </a:xfrm>
+            <a:prstGeom prst="flowChartAlternateProcess">
+              <a:avLst/>
+            </a:prstGeom>
+            <a:solidFill>
+              <a:schemeClr val="accent4">
+                <a:lumMod val="60000"/>
+                <a:lumOff val="40000"/>
+              </a:schemeClr>
+            </a:solidFill>
+          </p:spPr>
+          <p:style>
+            <a:lnRef idx="2">
+              <a:schemeClr val="accent1">
+                <a:shade val="15000"/>
+              </a:schemeClr>
+            </a:lnRef>
+            <a:fillRef idx="1">
+              <a:schemeClr val="accent1"/>
+            </a:fillRef>
+            <a:effectRef idx="0">
+              <a:schemeClr val="accent1"/>
+            </a:effectRef>
+            <a:fontRef idx="minor">
+              <a:schemeClr val="lt1"/>
+            </a:fontRef>
+          </p:style>
+          <p:txBody>
+            <a:bodyPr vert="vert270" rtlCol="0" anchor="ctr"/>
+            <a:lstStyle/>
+            <a:p>
+              <a:pPr algn="ctr"/>
+              <a:r>
+                <a:rPr lang="en-US" dirty="0"/>
+                <a:t>Max Pool</a:t>
+              </a:r>
+            </a:p>
+          </p:txBody>
+        </p:sp>
+        <p:sp>
+          <p:nvSpPr>
+            <p:cNvPr id="74" name="Flowchart: Alternate Process 73">
+              <a:extLst>
+                <a:ext uri="{FF2B5EF4-FFF2-40B4-BE49-F238E27FC236}">
+                  <a16:creationId xmlns:a16="http://schemas.microsoft.com/office/drawing/2014/main" id="{C69B9AD7-63CF-1708-FBFC-20547CAFED20}"/>
+                </a:ext>
+              </a:extLst>
+            </p:cNvPr>
+            <p:cNvSpPr/>
+            <p:nvPr/>
+          </p:nvSpPr>
+          <p:spPr>
+            <a:xfrm>
+              <a:off x="1700620" y="2735992"/>
+              <a:ext cx="383814" cy="1333499"/>
+            </a:xfrm>
+            <a:prstGeom prst="flowChartAlternateProcess">
+              <a:avLst/>
+            </a:prstGeom>
+            <a:solidFill>
+              <a:schemeClr val="accent3">
+                <a:lumMod val="60000"/>
+                <a:lumOff val="40000"/>
+              </a:schemeClr>
+            </a:solidFill>
+          </p:spPr>
+          <p:style>
+            <a:lnRef idx="2">
+              <a:schemeClr val="accent1">
+                <a:shade val="15000"/>
+              </a:schemeClr>
+            </a:lnRef>
+            <a:fillRef idx="1">
+              <a:schemeClr val="accent1"/>
+            </a:fillRef>
+            <a:effectRef idx="0">
+              <a:schemeClr val="accent1"/>
+            </a:effectRef>
+            <a:fontRef idx="minor">
+              <a:schemeClr val="lt1"/>
+            </a:fontRef>
+          </p:style>
+          <p:txBody>
+            <a:bodyPr vert="vert270" rtlCol="0" anchor="ctr"/>
+            <a:lstStyle/>
+            <a:p>
+              <a:pPr algn="ctr"/>
+              <a:r>
+                <a:rPr lang="en-US" dirty="0"/>
+                <a:t>Dropout</a:t>
+              </a:r>
+            </a:p>
+          </p:txBody>
+        </p:sp>
+      </p:grpSp>
+      <p:grpSp>
+        <p:nvGrpSpPr>
+          <p:cNvPr id="85" name="Group 84">
+            <a:extLst>
+              <a:ext uri="{FF2B5EF4-FFF2-40B4-BE49-F238E27FC236}">
+                <a16:creationId xmlns:a16="http://schemas.microsoft.com/office/drawing/2014/main" id="{F324C661-21A7-03C6-897E-57813E10A5C6}"/>
+              </a:ext>
+            </a:extLst>
+          </p:cNvPr>
+          <p:cNvGrpSpPr/>
+          <p:nvPr/>
+        </p:nvGrpSpPr>
+        <p:grpSpPr>
+          <a:xfrm>
+            <a:off x="6876132" y="3374591"/>
+            <a:ext cx="2301535" cy="1424600"/>
+            <a:chOff x="315090" y="2690441"/>
+            <a:chExt cx="2301535" cy="1424600"/>
+          </a:xfrm>
+        </p:grpSpPr>
+        <p:sp>
+          <p:nvSpPr>
+            <p:cNvPr id="86" name="Rectangle 85">
+              <a:extLst>
+                <a:ext uri="{FF2B5EF4-FFF2-40B4-BE49-F238E27FC236}">
+                  <a16:creationId xmlns:a16="http://schemas.microsoft.com/office/drawing/2014/main" id="{A54FB97E-5B73-77FA-4968-74688DA2E39B}"/>
+                </a:ext>
+              </a:extLst>
+            </p:cNvPr>
+            <p:cNvSpPr/>
+            <p:nvPr/>
+          </p:nvSpPr>
+          <p:spPr>
+            <a:xfrm>
+              <a:off x="315090" y="2690441"/>
+              <a:ext cx="2301535" cy="1424600"/>
+            </a:xfrm>
+            <a:prstGeom prst="rect">
+              <a:avLst/>
+            </a:prstGeom>
+            <a:solidFill>
+              <a:schemeClr val="accent1">
+                <a:lumMod val="20000"/>
+                <a:lumOff val="80000"/>
+              </a:schemeClr>
+            </a:solidFill>
+          </p:spPr>
+          <p:style>
+            <a:lnRef idx="2">
+              <a:schemeClr val="accent1">
+                <a:shade val="15000"/>
+              </a:schemeClr>
+            </a:lnRef>
+            <a:fillRef idx="1">
+              <a:schemeClr val="accent1"/>
+            </a:fillRef>
+            <a:effectRef idx="0">
+              <a:schemeClr val="accent1"/>
+            </a:effectRef>
+            <a:fontRef idx="minor">
+              <a:schemeClr val="lt1"/>
+            </a:fontRef>
+          </p:style>
+          <p:txBody>
+            <a:bodyPr rtlCol="0" anchor="ctr"/>
+            <a:lstStyle/>
+            <a:p>
+              <a:pPr algn="ctr"/>
+              <a:endParaRPr lang="en-US"/>
+            </a:p>
+          </p:txBody>
+        </p:sp>
+        <p:sp>
+          <p:nvSpPr>
+            <p:cNvPr id="88" name="Flowchart: Alternate Process 87">
+              <a:extLst>
+                <a:ext uri="{FF2B5EF4-FFF2-40B4-BE49-F238E27FC236}">
+                  <a16:creationId xmlns:a16="http://schemas.microsoft.com/office/drawing/2014/main" id="{72AB6DE5-3DE2-8472-BDD3-FD39096F53A2}"/>
+                </a:ext>
+              </a:extLst>
+            </p:cNvPr>
+            <p:cNvSpPr/>
+            <p:nvPr/>
+          </p:nvSpPr>
+          <p:spPr>
+            <a:xfrm>
+              <a:off x="439287" y="2742171"/>
+              <a:ext cx="383815" cy="1333499"/>
+            </a:xfrm>
+            <a:prstGeom prst="flowChartAlternateProcess">
+              <a:avLst/>
+            </a:prstGeom>
+          </p:spPr>
+          <p:style>
+            <a:lnRef idx="2">
+              <a:schemeClr val="accent1">
+                <a:shade val="15000"/>
+              </a:schemeClr>
+            </a:lnRef>
+            <a:fillRef idx="1">
+              <a:schemeClr val="accent1"/>
+            </a:fillRef>
+            <a:effectRef idx="0">
+              <a:schemeClr val="accent1"/>
+            </a:effectRef>
+            <a:fontRef idx="minor">
+              <a:schemeClr val="lt1"/>
+            </a:fontRef>
+          </p:style>
+          <p:txBody>
+            <a:bodyPr vert="vert" rtlCol="0" anchor="ctr"/>
+            <a:lstStyle/>
+            <a:p>
+              <a:pPr algn="ctr"/>
+              <a:r>
+                <a:rPr lang="en-US" dirty="0"/>
+                <a:t>Conv1D</a:t>
+              </a:r>
+            </a:p>
+          </p:txBody>
+        </p:sp>
+        <p:sp>
+          <p:nvSpPr>
+            <p:cNvPr id="89" name="Flowchart: Alternate Process 88">
+              <a:extLst>
+                <a:ext uri="{FF2B5EF4-FFF2-40B4-BE49-F238E27FC236}">
+                  <a16:creationId xmlns:a16="http://schemas.microsoft.com/office/drawing/2014/main" id="{9171C37C-C2D8-A585-CD5C-970F0CEF19BA}"/>
+                </a:ext>
+              </a:extLst>
+            </p:cNvPr>
+            <p:cNvSpPr/>
+            <p:nvPr/>
+          </p:nvSpPr>
+          <p:spPr>
+            <a:xfrm>
+              <a:off x="859732" y="2742171"/>
+              <a:ext cx="383814" cy="1333499"/>
+            </a:xfrm>
+            <a:prstGeom prst="flowChartAlternateProcess">
+              <a:avLst/>
+            </a:prstGeom>
+            <a:solidFill>
+              <a:schemeClr val="accent6">
+                <a:lumMod val="60000"/>
+                <a:lumOff val="40000"/>
+              </a:schemeClr>
+            </a:solidFill>
+          </p:spPr>
+          <p:style>
+            <a:lnRef idx="2">
+              <a:schemeClr val="accent1">
+                <a:shade val="15000"/>
+              </a:schemeClr>
+            </a:lnRef>
+            <a:fillRef idx="1">
+              <a:schemeClr val="accent1"/>
+            </a:fillRef>
+            <a:effectRef idx="0">
+              <a:schemeClr val="accent1"/>
+            </a:effectRef>
+            <a:fontRef idx="minor">
+              <a:schemeClr val="lt1"/>
+            </a:fontRef>
+          </p:style>
+          <p:txBody>
+            <a:bodyPr vert="vert" rtlCol="0" anchor="ctr"/>
+            <a:lstStyle/>
+            <a:p>
+              <a:pPr algn="ctr"/>
+              <a:r>
+                <a:rPr lang="en-US" dirty="0"/>
+                <a:t>Batch Norm</a:t>
+              </a:r>
+            </a:p>
+          </p:txBody>
+        </p:sp>
+        <p:sp>
+          <p:nvSpPr>
+            <p:cNvPr id="90" name="Flowchart: Alternate Process 89">
+              <a:extLst>
+                <a:ext uri="{FF2B5EF4-FFF2-40B4-BE49-F238E27FC236}">
+                  <a16:creationId xmlns:a16="http://schemas.microsoft.com/office/drawing/2014/main" id="{3FE9F057-4987-A824-50DB-DA0659814862}"/>
+                </a:ext>
+              </a:extLst>
+            </p:cNvPr>
+            <p:cNvSpPr/>
+            <p:nvPr/>
+          </p:nvSpPr>
+          <p:spPr>
+            <a:xfrm>
+              <a:off x="1280176" y="2742169"/>
+              <a:ext cx="383814" cy="1333499"/>
+            </a:xfrm>
+            <a:prstGeom prst="flowChartAlternateProcess">
+              <a:avLst/>
+            </a:prstGeom>
+            <a:solidFill>
+              <a:schemeClr val="accent2">
+                <a:lumMod val="60000"/>
+                <a:lumOff val="40000"/>
+              </a:schemeClr>
+            </a:solidFill>
+          </p:spPr>
+          <p:style>
+            <a:lnRef idx="2">
+              <a:schemeClr val="accent1">
+                <a:shade val="15000"/>
+              </a:schemeClr>
+            </a:lnRef>
+            <a:fillRef idx="1">
+              <a:schemeClr val="accent1"/>
+            </a:fillRef>
+            <a:effectRef idx="0">
+              <a:schemeClr val="accent1"/>
+            </a:effectRef>
+            <a:fontRef idx="minor">
+              <a:schemeClr val="lt1"/>
+            </a:fontRef>
+          </p:style>
+          <p:txBody>
+            <a:bodyPr vert="vert" rtlCol="0" anchor="ctr"/>
+            <a:lstStyle/>
+            <a:p>
+              <a:pPr algn="ctr"/>
+              <a:r>
+                <a:rPr lang="en-US" dirty="0" err="1"/>
+                <a:t>ReLU</a:t>
+              </a:r>
+              <a:endParaRPr lang="en-US" dirty="0"/>
+            </a:p>
+          </p:txBody>
+        </p:sp>
+        <p:sp>
+          <p:nvSpPr>
+            <p:cNvPr id="91" name="Flowchart: Alternate Process 90">
+              <a:extLst>
+                <a:ext uri="{FF2B5EF4-FFF2-40B4-BE49-F238E27FC236}">
+                  <a16:creationId xmlns:a16="http://schemas.microsoft.com/office/drawing/2014/main" id="{3962C75E-2E9A-3964-D895-5BD263A34FE5}"/>
+                </a:ext>
+              </a:extLst>
+            </p:cNvPr>
+            <p:cNvSpPr/>
+            <p:nvPr/>
+          </p:nvSpPr>
+          <p:spPr>
+            <a:xfrm>
+              <a:off x="2121064" y="2735992"/>
+              <a:ext cx="383814" cy="1333498"/>
+            </a:xfrm>
+            <a:prstGeom prst="flowChartAlternateProcess">
+              <a:avLst/>
+            </a:prstGeom>
+            <a:solidFill>
+              <a:schemeClr val="accent4">
+                <a:lumMod val="60000"/>
+                <a:lumOff val="40000"/>
+              </a:schemeClr>
+            </a:solidFill>
+          </p:spPr>
+          <p:style>
+            <a:lnRef idx="2">
+              <a:schemeClr val="accent1">
+                <a:shade val="15000"/>
+              </a:schemeClr>
+            </a:lnRef>
+            <a:fillRef idx="1">
+              <a:schemeClr val="accent1"/>
+            </a:fillRef>
+            <a:effectRef idx="0">
+              <a:schemeClr val="accent1"/>
+            </a:effectRef>
+            <a:fontRef idx="minor">
+              <a:schemeClr val="lt1"/>
+            </a:fontRef>
+          </p:style>
+          <p:txBody>
+            <a:bodyPr vert="vert" rtlCol="0" anchor="ctr"/>
+            <a:lstStyle/>
+            <a:p>
+              <a:pPr algn="ctr"/>
+              <a:r>
+                <a:rPr lang="en-US" dirty="0" err="1"/>
+                <a:t>UpSampling</a:t>
+              </a:r>
+              <a:endParaRPr lang="en-US" dirty="0"/>
+            </a:p>
+          </p:txBody>
+        </p:sp>
+        <p:sp>
+          <p:nvSpPr>
+            <p:cNvPr id="92" name="Flowchart: Alternate Process 91">
+              <a:extLst>
+                <a:ext uri="{FF2B5EF4-FFF2-40B4-BE49-F238E27FC236}">
+                  <a16:creationId xmlns:a16="http://schemas.microsoft.com/office/drawing/2014/main" id="{07AFF1EE-9D65-2215-6047-F6E1524C7132}"/>
+                </a:ext>
+              </a:extLst>
+            </p:cNvPr>
+            <p:cNvSpPr/>
+            <p:nvPr/>
+          </p:nvSpPr>
+          <p:spPr>
+            <a:xfrm>
+              <a:off x="1700620" y="2735992"/>
+              <a:ext cx="383814" cy="1333499"/>
+            </a:xfrm>
+            <a:prstGeom prst="flowChartAlternateProcess">
+              <a:avLst/>
+            </a:prstGeom>
+            <a:solidFill>
+              <a:schemeClr val="accent3">
+                <a:lumMod val="60000"/>
+                <a:lumOff val="40000"/>
+              </a:schemeClr>
+            </a:solidFill>
+          </p:spPr>
+          <p:style>
+            <a:lnRef idx="2">
+              <a:schemeClr val="accent1">
+                <a:shade val="15000"/>
+              </a:schemeClr>
+            </a:lnRef>
+            <a:fillRef idx="1">
+              <a:schemeClr val="accent1"/>
+            </a:fillRef>
+            <a:effectRef idx="0">
+              <a:schemeClr val="accent1"/>
+            </a:effectRef>
+            <a:fontRef idx="minor">
+              <a:schemeClr val="lt1"/>
+            </a:fontRef>
+          </p:style>
+          <p:txBody>
+            <a:bodyPr vert="vert" rtlCol="0" anchor="ctr"/>
+            <a:lstStyle/>
+            <a:p>
+              <a:pPr algn="ctr"/>
+              <a:r>
+                <a:rPr lang="en-US" dirty="0"/>
+                <a:t>Dropout</a:t>
+              </a:r>
+            </a:p>
+          </p:txBody>
+        </p:sp>
+      </p:grpSp>
+    </p:spTree>
+    <p:extLst>
+      <p:ext uri="{BB962C8B-B14F-4D97-AF65-F5344CB8AC3E}">
+        <p14:creationId xmlns:p14="http://schemas.microsoft.com/office/powerpoint/2010/main" val="3577984752"/>
       </p:ext>
     </p:extLst>
   </p:cSld>
@@ -10524,8 +12839,8 @@
           </a:p>
         </p:txBody>
       </p:sp>
-      <mc:AlternateContent xmlns:mc="http://schemas.openxmlformats.org/markup-compatibility/2006">
-        <mc:Choice xmlns:a14="http://schemas.microsoft.com/office/drawing/2010/main" Requires="a14">
+      <mc:AlternateContent xmlns:mc="http://schemas.openxmlformats.org/markup-compatibility/2006" xmlns:a14="http://schemas.microsoft.com/office/drawing/2010/main">
+        <mc:Choice Requires="a14">
           <p:sp>
             <p:nvSpPr>
               <p:cNvPr id="3" name="Content Placeholder 2">
@@ -10555,7 +12870,7 @@
               <a:lstStyle/>
               <a:p>
                 <a:r>
-                  <a:rPr lang="en-US" dirty="0" smtClean="0"/>
+                  <a:rPr lang="en-US" dirty="0"/>
                   <a:t>Trained a NN, </a:t>
                 </a:r>
                 <a14:m>
@@ -10824,7 +13139,7 @@
               <a:p>
                 <a:pPr lvl="1"/>
                 <a:r>
-                  <a:rPr lang="en-US" dirty="0" smtClean="0"/>
+                  <a:rPr lang="en-US" dirty="0"/>
                   <a:t>Estimate </a:t>
                 </a:r>
                 <a14:m>
@@ -10857,7 +13172,7 @@
                   </m:oMath>
                 </a14:m>
                 <a:r>
-                  <a:rPr lang="en-US" dirty="0" smtClean="0"/>
+                  <a:rPr lang="en-US" dirty="0"/>
                   <a:t> from </a:t>
                 </a:r>
                 <a14:m>
@@ -10896,19 +13211,15 @@
                   </m:oMath>
                 </a14:m>
                 <a:r>
-                  <a:rPr lang="en-US" dirty="0" smtClean="0"/>
+                  <a:rPr lang="en-US" dirty="0"/>
                   <a:t> and quantify error and uncertainty</a:t>
                 </a:r>
               </a:p>
               <a:p>
                 <a:pPr lvl="1"/>
                 <a:r>
-                  <a:rPr lang="en-US" dirty="0" smtClean="0"/>
-                  <a:t>Transfer </a:t>
-                </a:r>
-                <a:r>
                   <a:rPr lang="en-US" dirty="0"/>
-                  <a:t>learning framework to predict </a:t>
+                  <a:t>Transfer learning framework to predict </a:t>
                 </a:r>
                 <a14:m>
                   <m:oMath xmlns:m="http://schemas.openxmlformats.org/officeDocument/2006/math">
@@ -11025,7 +13336,7 @@
             </p:txBody>
           </p:sp>
         </mc:Choice>
-        <mc:Fallback>
+        <mc:Fallback xmlns="">
           <p:sp>
             <p:nvSpPr>
               <p:cNvPr id="3" name="Content Placeholder 2">
